--- a/Mutahhar-FYP.pptx
+++ b/Mutahhar-FYP.pptx
@@ -12,20 +12,36 @@
     <p:sldId id="260" r:id="rId6"/>
     <p:sldId id="261" r:id="rId7"/>
     <p:sldId id="262" r:id="rId8"/>
-    <p:sldId id="264" r:id="rId9"/>
-    <p:sldId id="278" r:id="rId10"/>
-    <p:sldId id="265" r:id="rId11"/>
-    <p:sldId id="266" r:id="rId12"/>
-    <p:sldId id="267" r:id="rId13"/>
-    <p:sldId id="275" r:id="rId14"/>
-    <p:sldId id="268" r:id="rId15"/>
-    <p:sldId id="269" r:id="rId16"/>
-    <p:sldId id="270" r:id="rId17"/>
-    <p:sldId id="279" r:id="rId18"/>
-    <p:sldId id="271" r:id="rId19"/>
-    <p:sldId id="272" r:id="rId20"/>
-    <p:sldId id="273" r:id="rId21"/>
-    <p:sldId id="276" r:id="rId22"/>
+    <p:sldId id="278" r:id="rId9"/>
+    <p:sldId id="264" r:id="rId10"/>
+    <p:sldId id="286" r:id="rId11"/>
+    <p:sldId id="265" r:id="rId12"/>
+    <p:sldId id="266" r:id="rId13"/>
+    <p:sldId id="293" r:id="rId14"/>
+    <p:sldId id="267" r:id="rId15"/>
+    <p:sldId id="294" r:id="rId16"/>
+    <p:sldId id="275" r:id="rId17"/>
+    <p:sldId id="295" r:id="rId18"/>
+    <p:sldId id="268" r:id="rId19"/>
+    <p:sldId id="269" r:id="rId20"/>
+    <p:sldId id="280" r:id="rId21"/>
+    <p:sldId id="281" r:id="rId22"/>
+    <p:sldId id="270" r:id="rId23"/>
+    <p:sldId id="282" r:id="rId24"/>
+    <p:sldId id="284" r:id="rId25"/>
+    <p:sldId id="288" r:id="rId26"/>
+    <p:sldId id="283" r:id="rId27"/>
+    <p:sldId id="285" r:id="rId28"/>
+    <p:sldId id="289" r:id="rId29"/>
+    <p:sldId id="279" r:id="rId30"/>
+    <p:sldId id="271" r:id="rId31"/>
+    <p:sldId id="272" r:id="rId32"/>
+    <p:sldId id="292" r:id="rId33"/>
+    <p:sldId id="273" r:id="rId34"/>
+    <p:sldId id="287" r:id="rId35"/>
+    <p:sldId id="276" r:id="rId36"/>
+    <p:sldId id="290" r:id="rId37"/>
+    <p:sldId id="291" r:id="rId38"/>
   </p:sldIdLst>
   <p:sldSz cx="12192000" cy="6858000"/>
   <p:notesSz cx="6858000" cy="9144000"/>
@@ -279,7 +295,7 @@
           <a:p>
             <a:fld id="{8B572B86-2E14-4146-91B4-593B46828B5F}" type="datetimeFigureOut">
               <a:rPr lang="en-US" smtClean="0"/>
-              <a:t>5/11/2020</a:t>
+              <a:t>5/12/2020</a:t>
             </a:fld>
             <a:endParaRPr lang="en-US"/>
           </a:p>
@@ -477,7 +493,7 @@
           <a:p>
             <a:fld id="{8B572B86-2E14-4146-91B4-593B46828B5F}" type="datetimeFigureOut">
               <a:rPr lang="en-US" smtClean="0"/>
-              <a:t>5/11/2020</a:t>
+              <a:t>5/12/2020</a:t>
             </a:fld>
             <a:endParaRPr lang="en-US"/>
           </a:p>
@@ -685,7 +701,7 @@
           <a:p>
             <a:fld id="{8B572B86-2E14-4146-91B4-593B46828B5F}" type="datetimeFigureOut">
               <a:rPr lang="en-US" smtClean="0"/>
-              <a:t>5/11/2020</a:t>
+              <a:t>5/12/2020</a:t>
             </a:fld>
             <a:endParaRPr lang="en-US"/>
           </a:p>
@@ -883,7 +899,7 @@
           <a:p>
             <a:fld id="{8B572B86-2E14-4146-91B4-593B46828B5F}" type="datetimeFigureOut">
               <a:rPr lang="en-US" smtClean="0"/>
-              <a:t>5/11/2020</a:t>
+              <a:t>5/12/2020</a:t>
             </a:fld>
             <a:endParaRPr lang="en-US"/>
           </a:p>
@@ -1158,7 +1174,7 @@
           <a:p>
             <a:fld id="{8B572B86-2E14-4146-91B4-593B46828B5F}" type="datetimeFigureOut">
               <a:rPr lang="en-US" smtClean="0"/>
-              <a:t>5/11/2020</a:t>
+              <a:t>5/12/2020</a:t>
             </a:fld>
             <a:endParaRPr lang="en-US"/>
           </a:p>
@@ -1423,7 +1439,7 @@
           <a:p>
             <a:fld id="{8B572B86-2E14-4146-91B4-593B46828B5F}" type="datetimeFigureOut">
               <a:rPr lang="en-US" smtClean="0"/>
-              <a:t>5/11/2020</a:t>
+              <a:t>5/12/2020</a:t>
             </a:fld>
             <a:endParaRPr lang="en-US"/>
           </a:p>
@@ -1835,7 +1851,7 @@
           <a:p>
             <a:fld id="{8B572B86-2E14-4146-91B4-593B46828B5F}" type="datetimeFigureOut">
               <a:rPr lang="en-US" smtClean="0"/>
-              <a:t>5/11/2020</a:t>
+              <a:t>5/12/2020</a:t>
             </a:fld>
             <a:endParaRPr lang="en-US"/>
           </a:p>
@@ -1976,7 +1992,7 @@
           <a:p>
             <a:fld id="{8B572B86-2E14-4146-91B4-593B46828B5F}" type="datetimeFigureOut">
               <a:rPr lang="en-US" smtClean="0"/>
-              <a:t>5/11/2020</a:t>
+              <a:t>5/12/2020</a:t>
             </a:fld>
             <a:endParaRPr lang="en-US"/>
           </a:p>
@@ -2089,7 +2105,7 @@
           <a:p>
             <a:fld id="{8B572B86-2E14-4146-91B4-593B46828B5F}" type="datetimeFigureOut">
               <a:rPr lang="en-US" smtClean="0"/>
-              <a:t>5/11/2020</a:t>
+              <a:t>5/12/2020</a:t>
             </a:fld>
             <a:endParaRPr lang="en-US"/>
           </a:p>
@@ -2400,7 +2416,7 @@
           <a:p>
             <a:fld id="{8B572B86-2E14-4146-91B4-593B46828B5F}" type="datetimeFigureOut">
               <a:rPr lang="en-US" smtClean="0"/>
-              <a:t>5/11/2020</a:t>
+              <a:t>5/12/2020</a:t>
             </a:fld>
             <a:endParaRPr lang="en-US"/>
           </a:p>
@@ -2688,7 +2704,7 @@
           <a:p>
             <a:fld id="{8B572B86-2E14-4146-91B4-593B46828B5F}" type="datetimeFigureOut">
               <a:rPr lang="en-US" smtClean="0"/>
-              <a:t>5/11/2020</a:t>
+              <a:t>5/12/2020</a:t>
             </a:fld>
             <a:endParaRPr lang="en-US"/>
           </a:p>
@@ -2929,7 +2945,7 @@
           <a:p>
             <a:fld id="{8B572B86-2E14-4146-91B4-593B46828B5F}" type="datetimeFigureOut">
               <a:rPr lang="en-US" smtClean="0"/>
-              <a:t>5/11/2020</a:t>
+              <a:t>5/12/2020</a:t>
             </a:fld>
             <a:endParaRPr lang="en-US"/>
           </a:p>
@@ -3437,15 +3453,15 @@
           <p:cNvPr id="2" name="Title 1">
             <a:extLst>
               <a:ext uri="{FF2B5EF4-FFF2-40B4-BE49-F238E27FC236}">
-                <a16:creationId xmlns:a16="http://schemas.microsoft.com/office/drawing/2014/main" id="{D4E6EF9A-EAF4-4306-981F-851390FC3A47}"/>
-              </a:ext>
-            </a:extLst>
-          </p:cNvPr>
-          <p:cNvSpPr>
-            <a:spLocks noGrp="1"/>
-          </p:cNvSpPr>
-          <p:nvPr>
-            <p:ph type="ctrTitle"/>
+                <a16:creationId xmlns:a16="http://schemas.microsoft.com/office/drawing/2014/main" id="{3F54BBF3-BD50-4990-B12F-81A6CE88451F}"/>
+              </a:ext>
+            </a:extLst>
+          </p:cNvPr>
+          <p:cNvSpPr>
+            <a:spLocks noGrp="1"/>
+          </p:cNvSpPr>
+          <p:nvPr>
+            <p:ph type="title"/>
           </p:nvPr>
         </p:nvSpPr>
         <p:spPr/>
@@ -3455,25 +3471,25 @@
           <a:p>
             <a:r>
               <a:rPr lang="en-US" dirty="0"/>
-              <a:t>User Interface</a:t>
-            </a:r>
-          </a:p>
-        </p:txBody>
-      </p:sp>
-      <p:sp>
-        <p:nvSpPr>
-          <p:cNvPr id="3" name="Subtitle 2">
-            <a:extLst>
-              <a:ext uri="{FF2B5EF4-FFF2-40B4-BE49-F238E27FC236}">
-                <a16:creationId xmlns:a16="http://schemas.microsoft.com/office/drawing/2014/main" id="{5737FD09-31CC-47C3-85FD-2065CAB28687}"/>
-              </a:ext>
-            </a:extLst>
-          </p:cNvPr>
-          <p:cNvSpPr>
-            <a:spLocks noGrp="1"/>
-          </p:cNvSpPr>
-          <p:nvPr>
-            <p:ph type="subTitle" idx="1"/>
+              <a:t>Django Admin Panel</a:t>
+            </a:r>
+          </a:p>
+        </p:txBody>
+      </p:sp>
+      <p:sp>
+        <p:nvSpPr>
+          <p:cNvPr id="5" name="Content Placeholder 4">
+            <a:extLst>
+              <a:ext uri="{FF2B5EF4-FFF2-40B4-BE49-F238E27FC236}">
+                <a16:creationId xmlns:a16="http://schemas.microsoft.com/office/drawing/2014/main" id="{07570FF8-6D6C-487C-A6A1-F026A962E613}"/>
+              </a:ext>
+            </a:extLst>
+          </p:cNvPr>
+          <p:cNvSpPr>
+            <a:spLocks noGrp="1"/>
+          </p:cNvSpPr>
+          <p:nvPr>
+            <p:ph idx="1"/>
           </p:nvPr>
         </p:nvSpPr>
         <p:spPr/>
@@ -3481,17 +3497,50 @@
           <a:bodyPr/>
           <a:lstStyle/>
           <a:p>
+            <a:pPr marL="0" indent="0">
+              <a:buNone/>
+            </a:pPr>
             <a:r>
               <a:rPr lang="en-US" dirty="0"/>
-              <a:t>PyQt5</a:t>
-            </a:r>
-          </a:p>
-        </p:txBody>
-      </p:sp>
+              <a:t> </a:t>
+            </a:r>
+          </a:p>
+        </p:txBody>
+      </p:sp>
+      <p:pic>
+        <p:nvPicPr>
+          <p:cNvPr id="6" name="Picture 5">
+            <a:extLst>
+              <a:ext uri="{FF2B5EF4-FFF2-40B4-BE49-F238E27FC236}">
+                <a16:creationId xmlns:a16="http://schemas.microsoft.com/office/drawing/2014/main" id="{874EC252-B3B8-4762-A026-D03D59D096C2}"/>
+              </a:ext>
+            </a:extLst>
+          </p:cNvPr>
+          <p:cNvPicPr>
+            <a:picLocks noChangeAspect="1"/>
+          </p:cNvPicPr>
+          <p:nvPr/>
+        </p:nvPicPr>
+        <p:blipFill>
+          <a:blip r:embed="rId2"/>
+          <a:stretch>
+            <a:fillRect/>
+          </a:stretch>
+        </p:blipFill>
+        <p:spPr>
+          <a:xfrm>
+            <a:off x="205153" y="2284535"/>
+            <a:ext cx="11781694" cy="2781300"/>
+          </a:xfrm>
+          <a:prstGeom prst="rect">
+            <a:avLst/>
+          </a:prstGeom>
+        </p:spPr>
+      </p:pic>
     </p:spTree>
     <p:extLst>
       <p:ext uri="{BB962C8B-B14F-4D97-AF65-F5344CB8AC3E}">
-        <p14:creationId xmlns:p14="http://schemas.microsoft.com/office/powerpoint/2010/main" val="297030036"/>
+        <p14:creationId xmlns:p14="http://schemas.microsoft.com/office/powerpoint/2010/main" val="306011668"/>
       </p:ext>
     </p:extLst>
   </p:cSld>
@@ -3523,6 +3572,92 @@
           <p:cNvPr id="2" name="Title 1">
             <a:extLst>
               <a:ext uri="{FF2B5EF4-FFF2-40B4-BE49-F238E27FC236}">
+                <a16:creationId xmlns:a16="http://schemas.microsoft.com/office/drawing/2014/main" id="{D4E6EF9A-EAF4-4306-981F-851390FC3A47}"/>
+              </a:ext>
+            </a:extLst>
+          </p:cNvPr>
+          <p:cNvSpPr>
+            <a:spLocks noGrp="1"/>
+          </p:cNvSpPr>
+          <p:nvPr>
+            <p:ph type="ctrTitle"/>
+          </p:nvPr>
+        </p:nvSpPr>
+        <p:spPr/>
+        <p:txBody>
+          <a:bodyPr/>
+          <a:lstStyle/>
+          <a:p>
+            <a:r>
+              <a:rPr lang="en-US" dirty="0"/>
+              <a:t>User Interface</a:t>
+            </a:r>
+          </a:p>
+        </p:txBody>
+      </p:sp>
+      <p:sp>
+        <p:nvSpPr>
+          <p:cNvPr id="3" name="Subtitle 2">
+            <a:extLst>
+              <a:ext uri="{FF2B5EF4-FFF2-40B4-BE49-F238E27FC236}">
+                <a16:creationId xmlns:a16="http://schemas.microsoft.com/office/drawing/2014/main" id="{5737FD09-31CC-47C3-85FD-2065CAB28687}"/>
+              </a:ext>
+            </a:extLst>
+          </p:cNvPr>
+          <p:cNvSpPr>
+            <a:spLocks noGrp="1"/>
+          </p:cNvSpPr>
+          <p:nvPr>
+            <p:ph type="subTitle" idx="1"/>
+          </p:nvPr>
+        </p:nvSpPr>
+        <p:spPr/>
+        <p:txBody>
+          <a:bodyPr/>
+          <a:lstStyle/>
+          <a:p>
+            <a:r>
+              <a:rPr lang="en-US" dirty="0"/>
+              <a:t>PyQt5</a:t>
+            </a:r>
+          </a:p>
+        </p:txBody>
+      </p:sp>
+    </p:spTree>
+    <p:extLst>
+      <p:ext uri="{BB962C8B-B14F-4D97-AF65-F5344CB8AC3E}">
+        <p14:creationId xmlns:p14="http://schemas.microsoft.com/office/powerpoint/2010/main" val="297030036"/>
+      </p:ext>
+    </p:extLst>
+  </p:cSld>
+  <p:clrMapOvr>
+    <a:masterClrMapping/>
+  </p:clrMapOvr>
+</p:sld>
+</file>
+
+<file path=ppt/slides/slide12.xml><?xml version="1.0" encoding="utf-8"?>
+<p:sld xmlns:a="http://schemas.openxmlformats.org/drawingml/2006/main" xmlns:r="http://schemas.openxmlformats.org/officeDocument/2006/relationships" xmlns:p="http://schemas.openxmlformats.org/presentationml/2006/main">
+  <p:cSld>
+    <p:spTree>
+      <p:nvGrpSpPr>
+        <p:cNvPr id="1" name=""/>
+        <p:cNvGrpSpPr/>
+        <p:nvPr/>
+      </p:nvGrpSpPr>
+      <p:grpSpPr>
+        <a:xfrm>
+          <a:off x="0" y="0"/>
+          <a:ext cx="0" cy="0"/>
+          <a:chOff x="0" y="0"/>
+          <a:chExt cx="0" cy="0"/>
+        </a:xfrm>
+      </p:grpSpPr>
+      <p:sp>
+        <p:nvSpPr>
+          <p:cNvPr id="2" name="Title 1">
+            <a:extLst>
+              <a:ext uri="{FF2B5EF4-FFF2-40B4-BE49-F238E27FC236}">
                 <a16:creationId xmlns:a16="http://schemas.microsoft.com/office/drawing/2014/main" id="{BD40A587-AC2B-46A4-8D1A-6F63AC303526}"/>
               </a:ext>
             </a:extLst>
@@ -3541,7 +3676,7 @@
           <a:p>
             <a:r>
               <a:rPr lang="en-US" dirty="0"/>
-              <a:t>Application</a:t>
+              <a:t>Application(UI)</a:t>
             </a:r>
           </a:p>
         </p:txBody>
@@ -3591,7 +3726,7 @@
 </p:sld>
 </file>
 
-<file path=ppt/slides/slide12.xml><?xml version="1.0" encoding="utf-8"?>
+<file path=ppt/slides/slide13.xml><?xml version="1.0" encoding="utf-8"?>
 <p:sld xmlns:a="http://schemas.openxmlformats.org/drawingml/2006/main" xmlns:r="http://schemas.openxmlformats.org/officeDocument/2006/relationships" xmlns:p="http://schemas.openxmlformats.org/presentationml/2006/main">
   <p:cSld>
     <p:spTree>
@@ -3613,6 +3748,96 @@
           <p:cNvPr id="2" name="Title 1">
             <a:extLst>
               <a:ext uri="{FF2B5EF4-FFF2-40B4-BE49-F238E27FC236}">
+                <a16:creationId xmlns:a16="http://schemas.microsoft.com/office/drawing/2014/main" id="{E6E50B4F-E93B-4A1E-A413-9CE8E023ABC0}"/>
+              </a:ext>
+            </a:extLst>
+          </p:cNvPr>
+          <p:cNvSpPr>
+            <a:spLocks noGrp="1"/>
+          </p:cNvSpPr>
+          <p:nvPr>
+            <p:ph type="title"/>
+          </p:nvPr>
+        </p:nvSpPr>
+        <p:spPr/>
+        <p:txBody>
+          <a:bodyPr/>
+          <a:lstStyle/>
+          <a:p>
+            <a:r>
+              <a:rPr lang="en-US" dirty="0"/>
+              <a:t>Application(UI Code)</a:t>
+            </a:r>
+          </a:p>
+        </p:txBody>
+      </p:sp>
+      <p:pic>
+        <p:nvPicPr>
+          <p:cNvPr id="4" name="Content Placeholder 3">
+            <a:extLst>
+              <a:ext uri="{FF2B5EF4-FFF2-40B4-BE49-F238E27FC236}">
+                <a16:creationId xmlns:a16="http://schemas.microsoft.com/office/drawing/2014/main" id="{5120A728-B739-4466-A742-A097A70631AD}"/>
+              </a:ext>
+            </a:extLst>
+          </p:cNvPr>
+          <p:cNvPicPr>
+            <a:picLocks noGrp="1" noChangeAspect="1"/>
+          </p:cNvPicPr>
+          <p:nvPr>
+            <p:ph idx="1"/>
+          </p:nvPr>
+        </p:nvPicPr>
+        <p:blipFill>
+          <a:blip r:embed="rId2"/>
+          <a:stretch>
+            <a:fillRect/>
+          </a:stretch>
+        </p:blipFill>
+        <p:spPr>
+          <a:xfrm>
+            <a:off x="2954215" y="1354015"/>
+            <a:ext cx="6207370" cy="5378482"/>
+          </a:xfrm>
+          <a:prstGeom prst="rect">
+            <a:avLst/>
+          </a:prstGeom>
+        </p:spPr>
+      </p:pic>
+    </p:spTree>
+    <p:extLst>
+      <p:ext uri="{BB962C8B-B14F-4D97-AF65-F5344CB8AC3E}">
+        <p14:creationId xmlns:p14="http://schemas.microsoft.com/office/powerpoint/2010/main" val="1080874236"/>
+      </p:ext>
+    </p:extLst>
+  </p:cSld>
+  <p:clrMapOvr>
+    <a:masterClrMapping/>
+  </p:clrMapOvr>
+</p:sld>
+</file>
+
+<file path=ppt/slides/slide14.xml><?xml version="1.0" encoding="utf-8"?>
+<p:sld xmlns:a="http://schemas.openxmlformats.org/drawingml/2006/main" xmlns:r="http://schemas.openxmlformats.org/officeDocument/2006/relationships" xmlns:p="http://schemas.openxmlformats.org/presentationml/2006/main">
+  <p:cSld>
+    <p:spTree>
+      <p:nvGrpSpPr>
+        <p:cNvPr id="1" name=""/>
+        <p:cNvGrpSpPr/>
+        <p:nvPr/>
+      </p:nvGrpSpPr>
+      <p:grpSpPr>
+        <a:xfrm>
+          <a:off x="0" y="0"/>
+          <a:ext cx="0" cy="0"/>
+          <a:chOff x="0" y="0"/>
+          <a:chExt cx="0" cy="0"/>
+        </a:xfrm>
+      </p:grpSpPr>
+      <p:sp>
+        <p:nvSpPr>
+          <p:cNvPr id="2" name="Title 1">
+            <a:extLst>
+              <a:ext uri="{FF2B5EF4-FFF2-40B4-BE49-F238E27FC236}">
                 <a16:creationId xmlns:a16="http://schemas.microsoft.com/office/drawing/2014/main" id="{E9441215-6FF9-426E-B4BE-1F1B092D88CA}"/>
               </a:ext>
             </a:extLst>
@@ -3631,7 +3856,7 @@
           <a:p>
             <a:r>
               <a:rPr lang="en-US" dirty="0"/>
-              <a:t>Output</a:t>
+              <a:t>Output(UI)</a:t>
             </a:r>
           </a:p>
         </p:txBody>
@@ -3681,7 +3906,7 @@
 </p:sld>
 </file>
 
-<file path=ppt/slides/slide13.xml><?xml version="1.0" encoding="utf-8"?>
+<file path=ppt/slides/slide15.xml><?xml version="1.0" encoding="utf-8"?>
 <p:sld xmlns:a="http://schemas.openxmlformats.org/drawingml/2006/main" xmlns:r="http://schemas.openxmlformats.org/officeDocument/2006/relationships" xmlns:p="http://schemas.openxmlformats.org/presentationml/2006/main">
   <p:cSld>
     <p:spTree>
@@ -3703,6 +3928,125 @@
           <p:cNvPr id="2" name="Title 1">
             <a:extLst>
               <a:ext uri="{FF2B5EF4-FFF2-40B4-BE49-F238E27FC236}">
+                <a16:creationId xmlns:a16="http://schemas.microsoft.com/office/drawing/2014/main" id="{E9441215-6FF9-426E-B4BE-1F1B092D88CA}"/>
+              </a:ext>
+            </a:extLst>
+          </p:cNvPr>
+          <p:cNvSpPr>
+            <a:spLocks noGrp="1"/>
+          </p:cNvSpPr>
+          <p:nvPr>
+            <p:ph type="title"/>
+          </p:nvPr>
+        </p:nvSpPr>
+        <p:spPr/>
+        <p:txBody>
+          <a:bodyPr/>
+          <a:lstStyle/>
+          <a:p>
+            <a:r>
+              <a:rPr lang="en-US" dirty="0"/>
+              <a:t>Output(UI Code)</a:t>
+            </a:r>
+          </a:p>
+        </p:txBody>
+      </p:sp>
+      <p:sp>
+        <p:nvSpPr>
+          <p:cNvPr id="5" name="Content Placeholder 4">
+            <a:extLst>
+              <a:ext uri="{FF2B5EF4-FFF2-40B4-BE49-F238E27FC236}">
+                <a16:creationId xmlns:a16="http://schemas.microsoft.com/office/drawing/2014/main" id="{7D7989B1-305D-4EE5-A3F9-FB73AC53B622}"/>
+              </a:ext>
+            </a:extLst>
+          </p:cNvPr>
+          <p:cNvSpPr>
+            <a:spLocks noGrp="1"/>
+          </p:cNvSpPr>
+          <p:nvPr>
+            <p:ph idx="1"/>
+          </p:nvPr>
+        </p:nvSpPr>
+        <p:spPr/>
+        <p:txBody>
+          <a:bodyPr/>
+          <a:lstStyle/>
+          <a:p>
+            <a:pPr marL="0" indent="0">
+              <a:buNone/>
+            </a:pPr>
+            <a:r>
+              <a:rPr lang="en-US" dirty="0"/>
+              <a:t> </a:t>
+            </a:r>
+          </a:p>
+        </p:txBody>
+      </p:sp>
+      <p:pic>
+        <p:nvPicPr>
+          <p:cNvPr id="6" name="Picture 5">
+            <a:extLst>
+              <a:ext uri="{FF2B5EF4-FFF2-40B4-BE49-F238E27FC236}">
+                <a16:creationId xmlns:a16="http://schemas.microsoft.com/office/drawing/2014/main" id="{A6B49920-5910-453F-A5EE-86D24DF29E34}"/>
+              </a:ext>
+            </a:extLst>
+          </p:cNvPr>
+          <p:cNvPicPr>
+            <a:picLocks noChangeAspect="1"/>
+          </p:cNvPicPr>
+          <p:nvPr/>
+        </p:nvPicPr>
+        <p:blipFill>
+          <a:blip r:embed="rId2"/>
+          <a:stretch>
+            <a:fillRect/>
+          </a:stretch>
+        </p:blipFill>
+        <p:spPr>
+          <a:xfrm>
+            <a:off x="1676400" y="1872151"/>
+            <a:ext cx="8839200" cy="4743450"/>
+          </a:xfrm>
+          <a:prstGeom prst="rect">
+            <a:avLst/>
+          </a:prstGeom>
+        </p:spPr>
+      </p:pic>
+    </p:spTree>
+    <p:extLst>
+      <p:ext uri="{BB962C8B-B14F-4D97-AF65-F5344CB8AC3E}">
+        <p14:creationId xmlns:p14="http://schemas.microsoft.com/office/powerpoint/2010/main" val="1963862476"/>
+      </p:ext>
+    </p:extLst>
+  </p:cSld>
+  <p:clrMapOvr>
+    <a:masterClrMapping/>
+  </p:clrMapOvr>
+</p:sld>
+</file>
+
+<file path=ppt/slides/slide16.xml><?xml version="1.0" encoding="utf-8"?>
+<p:sld xmlns:a="http://schemas.openxmlformats.org/drawingml/2006/main" xmlns:r="http://schemas.openxmlformats.org/officeDocument/2006/relationships" xmlns:p="http://schemas.openxmlformats.org/presentationml/2006/main">
+  <p:cSld>
+    <p:spTree>
+      <p:nvGrpSpPr>
+        <p:cNvPr id="1" name=""/>
+        <p:cNvGrpSpPr/>
+        <p:nvPr/>
+      </p:nvGrpSpPr>
+      <p:grpSpPr>
+        <a:xfrm>
+          <a:off x="0" y="0"/>
+          <a:ext cx="0" cy="0"/>
+          <a:chOff x="0" y="0"/>
+          <a:chExt cx="0" cy="0"/>
+        </a:xfrm>
+      </p:grpSpPr>
+      <p:sp>
+        <p:nvSpPr>
+          <p:cNvPr id="2" name="Title 1">
+            <a:extLst>
+              <a:ext uri="{FF2B5EF4-FFF2-40B4-BE49-F238E27FC236}">
                 <a16:creationId xmlns:a16="http://schemas.microsoft.com/office/drawing/2014/main" id="{53AEF878-BCE3-4AE0-8775-D4911CDF926E}"/>
               </a:ext>
             </a:extLst>
@@ -3721,7 +4065,7 @@
           <a:p>
             <a:r>
               <a:rPr lang="en-US" dirty="0"/>
-              <a:t>UI for Training</a:t>
+              <a:t>Training(UI)</a:t>
             </a:r>
           </a:p>
         </p:txBody>
@@ -3800,7 +4144,7 @@
 </p:sld>
 </file>
 
-<file path=ppt/slides/slide14.xml><?xml version="1.0" encoding="utf-8"?>
+<file path=ppt/slides/slide17.xml><?xml version="1.0" encoding="utf-8"?>
 <p:sld xmlns:a="http://schemas.openxmlformats.org/drawingml/2006/main" xmlns:r="http://schemas.openxmlformats.org/officeDocument/2006/relationships" xmlns:p="http://schemas.openxmlformats.org/presentationml/2006/main">
   <p:cSld>
     <p:spTree>
@@ -3822,7 +4166,7 @@
           <p:cNvPr id="2" name="Title 1">
             <a:extLst>
               <a:ext uri="{FF2B5EF4-FFF2-40B4-BE49-F238E27FC236}">
-                <a16:creationId xmlns:a16="http://schemas.microsoft.com/office/drawing/2014/main" id="{EE46F4A2-CA72-4061-B535-71C179AD3FE7}"/>
+                <a16:creationId xmlns:a16="http://schemas.microsoft.com/office/drawing/2014/main" id="{53AEF878-BCE3-4AE0-8775-D4911CDF926E}"/>
               </a:ext>
             </a:extLst>
           </p:cNvPr>
@@ -3840,7 +4184,7 @@
           <a:p>
             <a:r>
               <a:rPr lang="en-US" dirty="0"/>
-              <a:t>Approaches for integration</a:t>
+              <a:t>Training(UI Code)</a:t>
             </a:r>
           </a:p>
         </p:txBody>
@@ -3850,7 +4194,7 @@
           <p:cNvPr id="3" name="Content Placeholder 2">
             <a:extLst>
               <a:ext uri="{FF2B5EF4-FFF2-40B4-BE49-F238E27FC236}">
-                <a16:creationId xmlns:a16="http://schemas.microsoft.com/office/drawing/2014/main" id="{6E667AD6-6984-4524-97AD-1683BB04C53E}"/>
+                <a16:creationId xmlns:a16="http://schemas.microsoft.com/office/drawing/2014/main" id="{82F3930E-C9F2-4272-9489-9F71AFD5E514}"/>
               </a:ext>
             </a:extLst>
           </p:cNvPr>
@@ -3866,23 +4210,51 @@
           <a:bodyPr/>
           <a:lstStyle/>
           <a:p>
-            <a:r>
-              <a:rPr lang="en-US" dirty="0"/>
-              <a:t>Direct</a:t>
-            </a:r>
-          </a:p>
-          <a:p>
-            <a:r>
-              <a:rPr lang="en-US" dirty="0"/>
-              <a:t>Service Oriented</a:t>
-            </a:r>
-          </a:p>
-        </p:txBody>
-      </p:sp>
+            <a:pPr marL="0" indent="0">
+              <a:buNone/>
+            </a:pPr>
+            <a:r>
+              <a:rPr lang="en-US"/>
+              <a:t> </a:t>
+            </a:r>
+            <a:endParaRPr lang="en-US" dirty="0"/>
+          </a:p>
+        </p:txBody>
+      </p:sp>
+      <p:pic>
+        <p:nvPicPr>
+          <p:cNvPr id="5" name="Picture 4">
+            <a:extLst>
+              <a:ext uri="{FF2B5EF4-FFF2-40B4-BE49-F238E27FC236}">
+                <a16:creationId xmlns:a16="http://schemas.microsoft.com/office/drawing/2014/main" id="{F21A762F-9EE5-427B-B947-E3CE39B2D470}"/>
+              </a:ext>
+            </a:extLst>
+          </p:cNvPr>
+          <p:cNvPicPr>
+            <a:picLocks noChangeAspect="1"/>
+          </p:cNvPicPr>
+          <p:nvPr/>
+        </p:nvPicPr>
+        <p:blipFill>
+          <a:blip r:embed="rId2"/>
+          <a:stretch>
+            <a:fillRect/>
+          </a:stretch>
+        </p:blipFill>
+        <p:spPr>
+          <a:xfrm>
+            <a:off x="7535007" y="365125"/>
+            <a:ext cx="3270005" cy="6233656"/>
+          </a:xfrm>
+          <a:prstGeom prst="rect">
+            <a:avLst/>
+          </a:prstGeom>
+        </p:spPr>
+      </p:pic>
     </p:spTree>
     <p:extLst>
       <p:ext uri="{BB962C8B-B14F-4D97-AF65-F5344CB8AC3E}">
-        <p14:creationId xmlns:p14="http://schemas.microsoft.com/office/powerpoint/2010/main" val="708076107"/>
+        <p14:creationId xmlns:p14="http://schemas.microsoft.com/office/powerpoint/2010/main" val="529859095"/>
       </p:ext>
     </p:extLst>
   </p:cSld>
@@ -3892,7 +4264,7 @@
 </p:sld>
 </file>
 
-<file path=ppt/slides/slide15.xml><?xml version="1.0" encoding="utf-8"?>
+<file path=ppt/slides/slide18.xml><?xml version="1.0" encoding="utf-8"?>
 <p:sld xmlns:a="http://schemas.openxmlformats.org/drawingml/2006/main" xmlns:r="http://schemas.openxmlformats.org/officeDocument/2006/relationships" xmlns:p="http://schemas.openxmlformats.org/presentationml/2006/main">
   <p:cSld>
     <p:spTree>
@@ -3914,7 +4286,7 @@
           <p:cNvPr id="2" name="Title 1">
             <a:extLst>
               <a:ext uri="{FF2B5EF4-FFF2-40B4-BE49-F238E27FC236}">
-                <a16:creationId xmlns:a16="http://schemas.microsoft.com/office/drawing/2014/main" id="{5AC5E382-6CD2-4756-B20C-BFBD21D9798E}"/>
+                <a16:creationId xmlns:a16="http://schemas.microsoft.com/office/drawing/2014/main" id="{EE46F4A2-CA72-4061-B535-71C179AD3FE7}"/>
               </a:ext>
             </a:extLst>
           </p:cNvPr>
@@ -3932,7 +4304,7 @@
           <a:p>
             <a:r>
               <a:rPr lang="en-US" dirty="0"/>
-              <a:t>Direct Approach</a:t>
+              <a:t>Approaches for integration</a:t>
             </a:r>
           </a:p>
         </p:txBody>
@@ -3942,7 +4314,7 @@
           <p:cNvPr id="3" name="Content Placeholder 2">
             <a:extLst>
               <a:ext uri="{FF2B5EF4-FFF2-40B4-BE49-F238E27FC236}">
-                <a16:creationId xmlns:a16="http://schemas.microsoft.com/office/drawing/2014/main" id="{2CE4C060-3505-42B6-829C-3936AF73C050}"/>
+                <a16:creationId xmlns:a16="http://schemas.microsoft.com/office/drawing/2014/main" id="{6E667AD6-6984-4524-97AD-1683BB04C53E}"/>
               </a:ext>
             </a:extLst>
           </p:cNvPr>
@@ -3960,19 +4332,13 @@
           <a:p>
             <a:r>
               <a:rPr lang="en-US" dirty="0"/>
-              <a:t>Using models for prediction directly integrated in UI</a:t>
+              <a:t>Direct</a:t>
             </a:r>
           </a:p>
           <a:p>
             <a:r>
               <a:rPr lang="en-US" dirty="0"/>
-              <a:t>Cannot use parallel approach for Recognitions </a:t>
-            </a:r>
-          </a:p>
-          <a:p>
-            <a:r>
-              <a:rPr lang="en-US" dirty="0"/>
-              <a:t>Can only be used on a single machine at a time</a:t>
+              <a:t>Service Oriented (Distributed)</a:t>
             </a:r>
           </a:p>
         </p:txBody>
@@ -3980,7 +4346,7 @@
     </p:spTree>
     <p:extLst>
       <p:ext uri="{BB962C8B-B14F-4D97-AF65-F5344CB8AC3E}">
-        <p14:creationId xmlns:p14="http://schemas.microsoft.com/office/powerpoint/2010/main" val="1764825233"/>
+        <p14:creationId xmlns:p14="http://schemas.microsoft.com/office/powerpoint/2010/main" val="708076107"/>
       </p:ext>
     </p:extLst>
   </p:cSld>
@@ -3990,7 +4356,7 @@
 </p:sld>
 </file>
 
-<file path=ppt/slides/slide16.xml><?xml version="1.0" encoding="utf-8"?>
+<file path=ppt/slides/slide19.xml><?xml version="1.0" encoding="utf-8"?>
 <p:sld xmlns:a="http://schemas.openxmlformats.org/drawingml/2006/main" xmlns:r="http://schemas.openxmlformats.org/officeDocument/2006/relationships" xmlns:p="http://schemas.openxmlformats.org/presentationml/2006/main">
   <p:cSld>
     <p:spTree>
@@ -4012,6 +4378,485 @@
           <p:cNvPr id="2" name="Title 1">
             <a:extLst>
               <a:ext uri="{FF2B5EF4-FFF2-40B4-BE49-F238E27FC236}">
+                <a16:creationId xmlns:a16="http://schemas.microsoft.com/office/drawing/2014/main" id="{5AC5E382-6CD2-4756-B20C-BFBD21D9798E}"/>
+              </a:ext>
+            </a:extLst>
+          </p:cNvPr>
+          <p:cNvSpPr>
+            <a:spLocks noGrp="1"/>
+          </p:cNvSpPr>
+          <p:nvPr>
+            <p:ph type="title"/>
+          </p:nvPr>
+        </p:nvSpPr>
+        <p:spPr/>
+        <p:txBody>
+          <a:bodyPr/>
+          <a:lstStyle/>
+          <a:p>
+            <a:r>
+              <a:rPr lang="en-US" dirty="0"/>
+              <a:t>Direct Approach</a:t>
+            </a:r>
+          </a:p>
+        </p:txBody>
+      </p:sp>
+      <p:sp>
+        <p:nvSpPr>
+          <p:cNvPr id="3" name="Content Placeholder 2">
+            <a:extLst>
+              <a:ext uri="{FF2B5EF4-FFF2-40B4-BE49-F238E27FC236}">
+                <a16:creationId xmlns:a16="http://schemas.microsoft.com/office/drawing/2014/main" id="{2CE4C060-3505-42B6-829C-3936AF73C050}"/>
+              </a:ext>
+            </a:extLst>
+          </p:cNvPr>
+          <p:cNvSpPr>
+            <a:spLocks noGrp="1"/>
+          </p:cNvSpPr>
+          <p:nvPr>
+            <p:ph idx="1"/>
+          </p:nvPr>
+        </p:nvSpPr>
+        <p:spPr/>
+        <p:txBody>
+          <a:bodyPr/>
+          <a:lstStyle/>
+          <a:p>
+            <a:r>
+              <a:rPr lang="en-US" dirty="0"/>
+              <a:t>Using models for prediction directly integrated in UI</a:t>
+            </a:r>
+          </a:p>
+          <a:p>
+            <a:r>
+              <a:rPr lang="en-US" dirty="0"/>
+              <a:t>Cannot use parallel approach for Recognitions </a:t>
+            </a:r>
+          </a:p>
+          <a:p>
+            <a:r>
+              <a:rPr lang="en-US" dirty="0"/>
+              <a:t>Can only be used on a single machine at a time</a:t>
+            </a:r>
+          </a:p>
+        </p:txBody>
+      </p:sp>
+    </p:spTree>
+    <p:extLst>
+      <p:ext uri="{BB962C8B-B14F-4D97-AF65-F5344CB8AC3E}">
+        <p14:creationId xmlns:p14="http://schemas.microsoft.com/office/powerpoint/2010/main" val="1764825233"/>
+      </p:ext>
+    </p:extLst>
+  </p:cSld>
+  <p:clrMapOvr>
+    <a:masterClrMapping/>
+  </p:clrMapOvr>
+</p:sld>
+</file>
+
+<file path=ppt/slides/slide2.xml><?xml version="1.0" encoding="utf-8"?>
+<p:sld xmlns:a="http://schemas.openxmlformats.org/drawingml/2006/main" xmlns:r="http://schemas.openxmlformats.org/officeDocument/2006/relationships" xmlns:p="http://schemas.openxmlformats.org/presentationml/2006/main">
+  <p:cSld>
+    <p:spTree>
+      <p:nvGrpSpPr>
+        <p:cNvPr id="1" name=""/>
+        <p:cNvGrpSpPr/>
+        <p:nvPr/>
+      </p:nvGrpSpPr>
+      <p:grpSpPr>
+        <a:xfrm>
+          <a:off x="0" y="0"/>
+          <a:ext cx="0" cy="0"/>
+          <a:chOff x="0" y="0"/>
+          <a:chExt cx="0" cy="0"/>
+        </a:xfrm>
+      </p:grpSpPr>
+      <p:sp>
+        <p:nvSpPr>
+          <p:cNvPr id="2" name="Title 1">
+            <a:extLst>
+              <a:ext uri="{FF2B5EF4-FFF2-40B4-BE49-F238E27FC236}">
+                <a16:creationId xmlns:a16="http://schemas.microsoft.com/office/drawing/2014/main" id="{D2F4867E-A6F9-4A65-AC7A-DCDD62A009D3}"/>
+              </a:ext>
+            </a:extLst>
+          </p:cNvPr>
+          <p:cNvSpPr>
+            <a:spLocks noGrp="1"/>
+          </p:cNvSpPr>
+          <p:nvPr>
+            <p:ph type="title"/>
+          </p:nvPr>
+        </p:nvSpPr>
+        <p:spPr>
+          <a:xfrm>
+            <a:off x="838200" y="365125"/>
+            <a:ext cx="1676400" cy="760290"/>
+          </a:xfrm>
+        </p:spPr>
+        <p:txBody>
+          <a:bodyPr>
+            <a:normAutofit/>
+          </a:bodyPr>
+          <a:lstStyle/>
+          <a:p>
+            <a:r>
+              <a:rPr lang="en-US" dirty="0"/>
+              <a:t> </a:t>
+            </a:r>
+          </a:p>
+        </p:txBody>
+      </p:sp>
+      <p:pic>
+        <p:nvPicPr>
+          <p:cNvPr id="5" name="Content Placeholder 4">
+            <a:extLst>
+              <a:ext uri="{FF2B5EF4-FFF2-40B4-BE49-F238E27FC236}">
+                <a16:creationId xmlns:a16="http://schemas.microsoft.com/office/drawing/2014/main" id="{95123481-1D0E-4583-9FFA-208BBDF6800D}"/>
+              </a:ext>
+            </a:extLst>
+          </p:cNvPr>
+          <p:cNvPicPr>
+            <a:picLocks noGrp="1" noChangeAspect="1"/>
+          </p:cNvPicPr>
+          <p:nvPr>
+            <p:ph idx="1"/>
+          </p:nvPr>
+        </p:nvPicPr>
+        <p:blipFill>
+          <a:blip r:embed="rId2">
+            <a:extLst>
+              <a:ext uri="{28A0092B-C50C-407E-A947-70E740481C1C}">
+                <a14:useLocalDpi xmlns:a14="http://schemas.microsoft.com/office/drawing/2010/main" val="0"/>
+              </a:ext>
+            </a:extLst>
+          </a:blip>
+          <a:stretch>
+            <a:fillRect/>
+          </a:stretch>
+        </p:blipFill>
+        <p:spPr>
+          <a:xfrm>
+            <a:off x="1676400" y="365125"/>
+            <a:ext cx="4009292" cy="6276194"/>
+          </a:xfrm>
+        </p:spPr>
+      </p:pic>
+      <p:sp>
+        <p:nvSpPr>
+          <p:cNvPr id="7" name="TextBox 6">
+            <a:extLst>
+              <a:ext uri="{FF2B5EF4-FFF2-40B4-BE49-F238E27FC236}">
+                <a16:creationId xmlns:a16="http://schemas.microsoft.com/office/drawing/2014/main" id="{BCB1044B-3FBC-4217-88FB-DDECECBF90AC}"/>
+              </a:ext>
+            </a:extLst>
+          </p:cNvPr>
+          <p:cNvSpPr txBox="1"/>
+          <p:nvPr/>
+        </p:nvSpPr>
+        <p:spPr>
+          <a:xfrm>
+            <a:off x="6810217" y="2207061"/>
+            <a:ext cx="4676358" cy="1938992"/>
+          </a:xfrm>
+          <a:prstGeom prst="rect">
+            <a:avLst/>
+          </a:prstGeom>
+          <a:noFill/>
+        </p:spPr>
+        <p:txBody>
+          <a:bodyPr wrap="square" rtlCol="0">
+            <a:spAutoFit/>
+          </a:bodyPr>
+          <a:lstStyle/>
+          <a:p>
+            <a:endParaRPr lang="en-US" sz="2400" b="1" dirty="0"/>
+          </a:p>
+          <a:p>
+            <a:pPr marL="285750" indent="-285750">
+              <a:buFont typeface="Arial" panose="020B0604020202020204" pitchFamily="34" charset="0"/>
+              <a:buChar char="•"/>
+            </a:pPr>
+            <a:r>
+              <a:rPr lang="en-US" sz="2400" b="1" dirty="0"/>
+              <a:t>Not Normalized</a:t>
+            </a:r>
+          </a:p>
+          <a:p>
+            <a:pPr marL="285750" indent="-285750">
+              <a:buFont typeface="Arial" panose="020B0604020202020204" pitchFamily="34" charset="0"/>
+              <a:buChar char="•"/>
+            </a:pPr>
+            <a:r>
+              <a:rPr lang="en-US" sz="2400" b="1" dirty="0"/>
+              <a:t>Repeated Information</a:t>
+            </a:r>
+          </a:p>
+          <a:p>
+            <a:pPr marL="285750" indent="-285750">
+              <a:buFont typeface="Arial" panose="020B0604020202020204" pitchFamily="34" charset="0"/>
+              <a:buChar char="•"/>
+            </a:pPr>
+            <a:r>
+              <a:rPr lang="en-US" sz="2400" b="1" dirty="0"/>
+              <a:t>Not any centralized Table</a:t>
+            </a:r>
+          </a:p>
+          <a:p>
+            <a:pPr marL="285750" indent="-285750">
+              <a:buFont typeface="Arial" panose="020B0604020202020204" pitchFamily="34" charset="0"/>
+              <a:buChar char="•"/>
+            </a:pPr>
+            <a:r>
+              <a:rPr lang="en-US" sz="2400" b="1" dirty="0"/>
+              <a:t>Duty Rostrum Missing</a:t>
+            </a:r>
+          </a:p>
+        </p:txBody>
+      </p:sp>
+    </p:spTree>
+    <p:extLst>
+      <p:ext uri="{BB962C8B-B14F-4D97-AF65-F5344CB8AC3E}">
+        <p14:creationId xmlns:p14="http://schemas.microsoft.com/office/powerpoint/2010/main" val="3255344408"/>
+      </p:ext>
+    </p:extLst>
+  </p:cSld>
+  <p:clrMapOvr>
+    <a:masterClrMapping/>
+  </p:clrMapOvr>
+</p:sld>
+</file>
+
+<file path=ppt/slides/slide20.xml><?xml version="1.0" encoding="utf-8"?>
+<p:sld xmlns:a="http://schemas.openxmlformats.org/drawingml/2006/main" xmlns:r="http://schemas.openxmlformats.org/officeDocument/2006/relationships" xmlns:p="http://schemas.openxmlformats.org/presentationml/2006/main">
+  <p:cSld>
+    <p:spTree>
+      <p:nvGrpSpPr>
+        <p:cNvPr id="1" name=""/>
+        <p:cNvGrpSpPr/>
+        <p:nvPr/>
+      </p:nvGrpSpPr>
+      <p:grpSpPr>
+        <a:xfrm>
+          <a:off x="0" y="0"/>
+          <a:ext cx="0" cy="0"/>
+          <a:chOff x="0" y="0"/>
+          <a:chExt cx="0" cy="0"/>
+        </a:xfrm>
+      </p:grpSpPr>
+      <p:sp>
+        <p:nvSpPr>
+          <p:cNvPr id="2" name="Title 1">
+            <a:extLst>
+              <a:ext uri="{FF2B5EF4-FFF2-40B4-BE49-F238E27FC236}">
+                <a16:creationId xmlns:a16="http://schemas.microsoft.com/office/drawing/2014/main" id="{833BA59D-0EBA-4BD3-9890-231BFEE43D39}"/>
+              </a:ext>
+            </a:extLst>
+          </p:cNvPr>
+          <p:cNvSpPr>
+            <a:spLocks noGrp="1"/>
+          </p:cNvSpPr>
+          <p:nvPr>
+            <p:ph type="title"/>
+          </p:nvPr>
+        </p:nvSpPr>
+        <p:spPr/>
+        <p:txBody>
+          <a:bodyPr/>
+          <a:lstStyle/>
+          <a:p>
+            <a:r>
+              <a:rPr lang="en-US" dirty="0"/>
+              <a:t>Direct Approach(Facial Recognition)</a:t>
+            </a:r>
+          </a:p>
+        </p:txBody>
+      </p:sp>
+      <p:pic>
+        <p:nvPicPr>
+          <p:cNvPr id="4" name="Content Placeholder 3">
+            <a:extLst>
+              <a:ext uri="{FF2B5EF4-FFF2-40B4-BE49-F238E27FC236}">
+                <a16:creationId xmlns:a16="http://schemas.microsoft.com/office/drawing/2014/main" id="{174578D5-9E85-4C9D-B051-4EBF3C3E5863}"/>
+              </a:ext>
+            </a:extLst>
+          </p:cNvPr>
+          <p:cNvPicPr>
+            <a:picLocks noGrp="1" noChangeAspect="1"/>
+          </p:cNvPicPr>
+          <p:nvPr>
+            <p:ph idx="1"/>
+          </p:nvPr>
+        </p:nvPicPr>
+        <p:blipFill>
+          <a:blip r:embed="rId2"/>
+          <a:stretch>
+            <a:fillRect/>
+          </a:stretch>
+        </p:blipFill>
+        <p:spPr>
+          <a:xfrm>
+            <a:off x="2382715" y="1825625"/>
+            <a:ext cx="7213342" cy="4667250"/>
+          </a:xfrm>
+          <a:prstGeom prst="rect">
+            <a:avLst/>
+          </a:prstGeom>
+        </p:spPr>
+      </p:pic>
+    </p:spTree>
+    <p:extLst>
+      <p:ext uri="{BB962C8B-B14F-4D97-AF65-F5344CB8AC3E}">
+        <p14:creationId xmlns:p14="http://schemas.microsoft.com/office/powerpoint/2010/main" val="1285864774"/>
+      </p:ext>
+    </p:extLst>
+  </p:cSld>
+  <p:clrMapOvr>
+    <a:masterClrMapping/>
+  </p:clrMapOvr>
+</p:sld>
+</file>
+
+<file path=ppt/slides/slide21.xml><?xml version="1.0" encoding="utf-8"?>
+<p:sld xmlns:a="http://schemas.openxmlformats.org/drawingml/2006/main" xmlns:r="http://schemas.openxmlformats.org/officeDocument/2006/relationships" xmlns:p="http://schemas.openxmlformats.org/presentationml/2006/main">
+  <p:cSld>
+    <p:spTree>
+      <p:nvGrpSpPr>
+        <p:cNvPr id="1" name=""/>
+        <p:cNvGrpSpPr/>
+        <p:nvPr/>
+      </p:nvGrpSpPr>
+      <p:grpSpPr>
+        <a:xfrm>
+          <a:off x="0" y="0"/>
+          <a:ext cx="0" cy="0"/>
+          <a:chOff x="0" y="0"/>
+          <a:chExt cx="0" cy="0"/>
+        </a:xfrm>
+      </p:grpSpPr>
+      <p:sp>
+        <p:nvSpPr>
+          <p:cNvPr id="2" name="Title 1">
+            <a:extLst>
+              <a:ext uri="{FF2B5EF4-FFF2-40B4-BE49-F238E27FC236}">
+                <a16:creationId xmlns:a16="http://schemas.microsoft.com/office/drawing/2014/main" id="{833BA59D-0EBA-4BD3-9890-231BFEE43D39}"/>
+              </a:ext>
+            </a:extLst>
+          </p:cNvPr>
+          <p:cNvSpPr>
+            <a:spLocks noGrp="1"/>
+          </p:cNvSpPr>
+          <p:nvPr>
+            <p:ph type="title"/>
+          </p:nvPr>
+        </p:nvSpPr>
+        <p:spPr/>
+        <p:txBody>
+          <a:bodyPr/>
+          <a:lstStyle/>
+          <a:p>
+            <a:r>
+              <a:rPr lang="en-US" dirty="0"/>
+              <a:t>Direct Approach(Uniform Recognition)</a:t>
+            </a:r>
+          </a:p>
+        </p:txBody>
+      </p:sp>
+      <p:sp>
+        <p:nvSpPr>
+          <p:cNvPr id="5" name="Content Placeholder 4">
+            <a:extLst>
+              <a:ext uri="{FF2B5EF4-FFF2-40B4-BE49-F238E27FC236}">
+                <a16:creationId xmlns:a16="http://schemas.microsoft.com/office/drawing/2014/main" id="{F3F3B736-D3F1-4E82-A842-4515C8C99E57}"/>
+              </a:ext>
+            </a:extLst>
+          </p:cNvPr>
+          <p:cNvSpPr>
+            <a:spLocks noGrp="1"/>
+          </p:cNvSpPr>
+          <p:nvPr>
+            <p:ph idx="1"/>
+          </p:nvPr>
+        </p:nvSpPr>
+        <p:spPr/>
+        <p:txBody>
+          <a:bodyPr/>
+          <a:lstStyle/>
+          <a:p>
+            <a:pPr marL="0" indent="0">
+              <a:buNone/>
+            </a:pPr>
+            <a:r>
+              <a:rPr lang="en-US" dirty="0"/>
+              <a:t> </a:t>
+            </a:r>
+          </a:p>
+        </p:txBody>
+      </p:sp>
+      <p:pic>
+        <p:nvPicPr>
+          <p:cNvPr id="6" name="Picture 5">
+            <a:extLst>
+              <a:ext uri="{FF2B5EF4-FFF2-40B4-BE49-F238E27FC236}">
+                <a16:creationId xmlns:a16="http://schemas.microsoft.com/office/drawing/2014/main" id="{455A7F3D-3A29-4362-9016-5207D0A94F28}"/>
+              </a:ext>
+            </a:extLst>
+          </p:cNvPr>
+          <p:cNvPicPr>
+            <a:picLocks noChangeAspect="1"/>
+          </p:cNvPicPr>
+          <p:nvPr/>
+        </p:nvPicPr>
+        <p:blipFill>
+          <a:blip r:embed="rId2"/>
+          <a:stretch>
+            <a:fillRect/>
+          </a:stretch>
+        </p:blipFill>
+        <p:spPr>
+          <a:xfrm>
+            <a:off x="1104900" y="2348706"/>
+            <a:ext cx="9982200" cy="3305175"/>
+          </a:xfrm>
+          <a:prstGeom prst="rect">
+            <a:avLst/>
+          </a:prstGeom>
+        </p:spPr>
+      </p:pic>
+    </p:spTree>
+    <p:extLst>
+      <p:ext uri="{BB962C8B-B14F-4D97-AF65-F5344CB8AC3E}">
+        <p14:creationId xmlns:p14="http://schemas.microsoft.com/office/powerpoint/2010/main" val="2543988879"/>
+      </p:ext>
+    </p:extLst>
+  </p:cSld>
+  <p:clrMapOvr>
+    <a:masterClrMapping/>
+  </p:clrMapOvr>
+</p:sld>
+</file>
+
+<file path=ppt/slides/slide22.xml><?xml version="1.0" encoding="utf-8"?>
+<p:sld xmlns:a="http://schemas.openxmlformats.org/drawingml/2006/main" xmlns:r="http://schemas.openxmlformats.org/officeDocument/2006/relationships" xmlns:p="http://schemas.openxmlformats.org/presentationml/2006/main">
+  <p:cSld>
+    <p:spTree>
+      <p:nvGrpSpPr>
+        <p:cNvPr id="1" name=""/>
+        <p:cNvGrpSpPr/>
+        <p:nvPr/>
+      </p:nvGrpSpPr>
+      <p:grpSpPr>
+        <a:xfrm>
+          <a:off x="0" y="0"/>
+          <a:ext cx="0" cy="0"/>
+          <a:chOff x="0" y="0"/>
+          <a:chExt cx="0" cy="0"/>
+        </a:xfrm>
+      </p:grpSpPr>
+      <p:sp>
+        <p:nvSpPr>
+          <p:cNvPr id="2" name="Title 1">
+            <a:extLst>
+              <a:ext uri="{FF2B5EF4-FFF2-40B4-BE49-F238E27FC236}">
                 <a16:creationId xmlns:a16="http://schemas.microsoft.com/office/drawing/2014/main" id="{0E73E4AA-4D92-4BD3-8C7D-C64D6F107D52}"/>
               </a:ext>
             </a:extLst>
@@ -4055,6 +4900,12 @@
         <p:txBody>
           <a:bodyPr/>
           <a:lstStyle/>
+          <a:p>
+            <a:r>
+              <a:rPr lang="en-US" dirty="0"/>
+              <a:t>Distributed Approach</a:t>
+            </a:r>
+          </a:p>
           <a:p>
             <a:r>
               <a:rPr lang="en-US" dirty="0"/>
@@ -4100,7 +4951,733 @@
 </p:sld>
 </file>
 
-<file path=ppt/slides/slide17.xml><?xml version="1.0" encoding="utf-8"?>
+<file path=ppt/slides/slide23.xml><?xml version="1.0" encoding="utf-8"?>
+<p:sld xmlns:a="http://schemas.openxmlformats.org/drawingml/2006/main" xmlns:r="http://schemas.openxmlformats.org/officeDocument/2006/relationships" xmlns:p="http://schemas.openxmlformats.org/presentationml/2006/main">
+  <p:cSld>
+    <p:spTree>
+      <p:nvGrpSpPr>
+        <p:cNvPr id="1" name=""/>
+        <p:cNvGrpSpPr/>
+        <p:nvPr/>
+      </p:nvGrpSpPr>
+      <p:grpSpPr>
+        <a:xfrm>
+          <a:off x="0" y="0"/>
+          <a:ext cx="0" cy="0"/>
+          <a:chOff x="0" y="0"/>
+          <a:chExt cx="0" cy="0"/>
+        </a:xfrm>
+      </p:grpSpPr>
+      <p:sp>
+        <p:nvSpPr>
+          <p:cNvPr id="2" name="Title 1">
+            <a:extLst>
+              <a:ext uri="{FF2B5EF4-FFF2-40B4-BE49-F238E27FC236}">
+                <a16:creationId xmlns:a16="http://schemas.microsoft.com/office/drawing/2014/main" id="{8B93959C-292A-4C84-8ED8-613EAC99B1E7}"/>
+              </a:ext>
+            </a:extLst>
+          </p:cNvPr>
+          <p:cNvSpPr>
+            <a:spLocks noGrp="1"/>
+          </p:cNvSpPr>
+          <p:nvPr>
+            <p:ph type="title"/>
+          </p:nvPr>
+        </p:nvSpPr>
+        <p:spPr/>
+        <p:txBody>
+          <a:bodyPr/>
+          <a:lstStyle/>
+          <a:p>
+            <a:r>
+              <a:rPr lang="en-US" sz="3200" dirty="0"/>
+              <a:t>Service Oriented Approach(Facial Recognition-Django)</a:t>
+            </a:r>
+            <a:endParaRPr lang="en-US" dirty="0"/>
+          </a:p>
+        </p:txBody>
+      </p:sp>
+      <p:sp>
+        <p:nvSpPr>
+          <p:cNvPr id="3" name="Content Placeholder 2">
+            <a:extLst>
+              <a:ext uri="{FF2B5EF4-FFF2-40B4-BE49-F238E27FC236}">
+                <a16:creationId xmlns:a16="http://schemas.microsoft.com/office/drawing/2014/main" id="{E1814AB2-D8DA-4207-811D-C81474855A4F}"/>
+              </a:ext>
+            </a:extLst>
+          </p:cNvPr>
+          <p:cNvSpPr>
+            <a:spLocks noGrp="1"/>
+          </p:cNvSpPr>
+          <p:nvPr>
+            <p:ph idx="1"/>
+          </p:nvPr>
+        </p:nvSpPr>
+        <p:spPr/>
+        <p:txBody>
+          <a:bodyPr/>
+          <a:lstStyle/>
+          <a:p>
+            <a:pPr marL="0" indent="0">
+              <a:buNone/>
+            </a:pPr>
+            <a:r>
+              <a:rPr lang="en-US" dirty="0"/>
+              <a:t> </a:t>
+            </a:r>
+          </a:p>
+        </p:txBody>
+      </p:sp>
+      <p:pic>
+        <p:nvPicPr>
+          <p:cNvPr id="4" name="Picture 3">
+            <a:extLst>
+              <a:ext uri="{FF2B5EF4-FFF2-40B4-BE49-F238E27FC236}">
+                <a16:creationId xmlns:a16="http://schemas.microsoft.com/office/drawing/2014/main" id="{5F716D0E-031C-4460-8257-98521F408E3F}"/>
+              </a:ext>
+            </a:extLst>
+          </p:cNvPr>
+          <p:cNvPicPr>
+            <a:picLocks noChangeAspect="1"/>
+          </p:cNvPicPr>
+          <p:nvPr/>
+        </p:nvPicPr>
+        <p:blipFill>
+          <a:blip r:embed="rId2"/>
+          <a:stretch>
+            <a:fillRect/>
+          </a:stretch>
+        </p:blipFill>
+        <p:spPr>
+          <a:xfrm>
+            <a:off x="3393465" y="1441940"/>
+            <a:ext cx="5405069" cy="5416060"/>
+          </a:xfrm>
+          <a:prstGeom prst="rect">
+            <a:avLst/>
+          </a:prstGeom>
+        </p:spPr>
+      </p:pic>
+    </p:spTree>
+    <p:extLst>
+      <p:ext uri="{BB962C8B-B14F-4D97-AF65-F5344CB8AC3E}">
+        <p14:creationId xmlns:p14="http://schemas.microsoft.com/office/powerpoint/2010/main" val="407818642"/>
+      </p:ext>
+    </p:extLst>
+  </p:cSld>
+  <p:clrMapOvr>
+    <a:masterClrMapping/>
+  </p:clrMapOvr>
+</p:sld>
+</file>
+
+<file path=ppt/slides/slide24.xml><?xml version="1.0" encoding="utf-8"?>
+<p:sld xmlns:a="http://schemas.openxmlformats.org/drawingml/2006/main" xmlns:r="http://schemas.openxmlformats.org/officeDocument/2006/relationships" xmlns:p="http://schemas.openxmlformats.org/presentationml/2006/main">
+  <p:cSld>
+    <p:spTree>
+      <p:nvGrpSpPr>
+        <p:cNvPr id="1" name=""/>
+        <p:cNvGrpSpPr/>
+        <p:nvPr/>
+      </p:nvGrpSpPr>
+      <p:grpSpPr>
+        <a:xfrm>
+          <a:off x="0" y="0"/>
+          <a:ext cx="0" cy="0"/>
+          <a:chOff x="0" y="0"/>
+          <a:chExt cx="0" cy="0"/>
+        </a:xfrm>
+      </p:grpSpPr>
+      <p:sp>
+        <p:nvSpPr>
+          <p:cNvPr id="2" name="Title 1">
+            <a:extLst>
+              <a:ext uri="{FF2B5EF4-FFF2-40B4-BE49-F238E27FC236}">
+                <a16:creationId xmlns:a16="http://schemas.microsoft.com/office/drawing/2014/main" id="{8B93959C-292A-4C84-8ED8-613EAC99B1E7}"/>
+              </a:ext>
+            </a:extLst>
+          </p:cNvPr>
+          <p:cNvSpPr>
+            <a:spLocks noGrp="1"/>
+          </p:cNvSpPr>
+          <p:nvPr>
+            <p:ph type="title"/>
+          </p:nvPr>
+        </p:nvSpPr>
+        <p:spPr/>
+        <p:txBody>
+          <a:bodyPr/>
+          <a:lstStyle/>
+          <a:p>
+            <a:r>
+              <a:rPr lang="en-US" sz="3200" dirty="0"/>
+              <a:t>Service Oriented Approach(Facial Recognition-Request)</a:t>
+            </a:r>
+            <a:endParaRPr lang="en-US" dirty="0"/>
+          </a:p>
+        </p:txBody>
+      </p:sp>
+      <p:sp>
+        <p:nvSpPr>
+          <p:cNvPr id="3" name="Content Placeholder 2">
+            <a:extLst>
+              <a:ext uri="{FF2B5EF4-FFF2-40B4-BE49-F238E27FC236}">
+                <a16:creationId xmlns:a16="http://schemas.microsoft.com/office/drawing/2014/main" id="{E1814AB2-D8DA-4207-811D-C81474855A4F}"/>
+              </a:ext>
+            </a:extLst>
+          </p:cNvPr>
+          <p:cNvSpPr>
+            <a:spLocks noGrp="1"/>
+          </p:cNvSpPr>
+          <p:nvPr>
+            <p:ph idx="1"/>
+          </p:nvPr>
+        </p:nvSpPr>
+        <p:spPr/>
+        <p:txBody>
+          <a:bodyPr/>
+          <a:lstStyle/>
+          <a:p>
+            <a:pPr marL="0" indent="0">
+              <a:buNone/>
+            </a:pPr>
+            <a:r>
+              <a:rPr lang="en-US" dirty="0"/>
+              <a:t> </a:t>
+            </a:r>
+          </a:p>
+        </p:txBody>
+      </p:sp>
+      <p:pic>
+        <p:nvPicPr>
+          <p:cNvPr id="5" name="Picture 4">
+            <a:extLst>
+              <a:ext uri="{FF2B5EF4-FFF2-40B4-BE49-F238E27FC236}">
+                <a16:creationId xmlns:a16="http://schemas.microsoft.com/office/drawing/2014/main" id="{82BC5F4C-A8C9-45C0-89FD-9F4535775FEA}"/>
+              </a:ext>
+            </a:extLst>
+          </p:cNvPr>
+          <p:cNvPicPr>
+            <a:picLocks noChangeAspect="1"/>
+          </p:cNvPicPr>
+          <p:nvPr/>
+        </p:nvPicPr>
+        <p:blipFill>
+          <a:blip r:embed="rId2"/>
+          <a:stretch>
+            <a:fillRect/>
+          </a:stretch>
+        </p:blipFill>
+        <p:spPr>
+          <a:xfrm>
+            <a:off x="1338262" y="1924844"/>
+            <a:ext cx="9515475" cy="4152900"/>
+          </a:xfrm>
+          <a:prstGeom prst="rect">
+            <a:avLst/>
+          </a:prstGeom>
+        </p:spPr>
+      </p:pic>
+    </p:spTree>
+    <p:extLst>
+      <p:ext uri="{BB962C8B-B14F-4D97-AF65-F5344CB8AC3E}">
+        <p14:creationId xmlns:p14="http://schemas.microsoft.com/office/powerpoint/2010/main" val="2579658954"/>
+      </p:ext>
+    </p:extLst>
+  </p:cSld>
+  <p:clrMapOvr>
+    <a:masterClrMapping/>
+  </p:clrMapOvr>
+</p:sld>
+</file>
+
+<file path=ppt/slides/slide25.xml><?xml version="1.0" encoding="utf-8"?>
+<p:sld xmlns:a="http://schemas.openxmlformats.org/drawingml/2006/main" xmlns:r="http://schemas.openxmlformats.org/officeDocument/2006/relationships" xmlns:p="http://schemas.openxmlformats.org/presentationml/2006/main">
+  <p:cSld>
+    <p:spTree>
+      <p:nvGrpSpPr>
+        <p:cNvPr id="1" name=""/>
+        <p:cNvGrpSpPr/>
+        <p:nvPr/>
+      </p:nvGrpSpPr>
+      <p:grpSpPr>
+        <a:xfrm>
+          <a:off x="0" y="0"/>
+          <a:ext cx="0" cy="0"/>
+          <a:chOff x="0" y="0"/>
+          <a:chExt cx="0" cy="0"/>
+        </a:xfrm>
+      </p:grpSpPr>
+      <p:sp>
+        <p:nvSpPr>
+          <p:cNvPr id="2" name="Title 1">
+            <a:extLst>
+              <a:ext uri="{FF2B5EF4-FFF2-40B4-BE49-F238E27FC236}">
+                <a16:creationId xmlns:a16="http://schemas.microsoft.com/office/drawing/2014/main" id="{8B93959C-292A-4C84-8ED8-613EAC99B1E7}"/>
+              </a:ext>
+            </a:extLst>
+          </p:cNvPr>
+          <p:cNvSpPr>
+            <a:spLocks noGrp="1"/>
+          </p:cNvSpPr>
+          <p:nvPr>
+            <p:ph type="title"/>
+          </p:nvPr>
+        </p:nvSpPr>
+        <p:spPr/>
+        <p:txBody>
+          <a:bodyPr/>
+          <a:lstStyle/>
+          <a:p>
+            <a:r>
+              <a:rPr lang="en-US" sz="3200" dirty="0"/>
+              <a:t>Service Oriented Approach(Facial Recognition-Request Test)</a:t>
+            </a:r>
+            <a:endParaRPr lang="en-US" dirty="0"/>
+          </a:p>
+        </p:txBody>
+      </p:sp>
+      <p:sp>
+        <p:nvSpPr>
+          <p:cNvPr id="3" name="Content Placeholder 2">
+            <a:extLst>
+              <a:ext uri="{FF2B5EF4-FFF2-40B4-BE49-F238E27FC236}">
+                <a16:creationId xmlns:a16="http://schemas.microsoft.com/office/drawing/2014/main" id="{E1814AB2-D8DA-4207-811D-C81474855A4F}"/>
+              </a:ext>
+            </a:extLst>
+          </p:cNvPr>
+          <p:cNvSpPr>
+            <a:spLocks noGrp="1"/>
+          </p:cNvSpPr>
+          <p:nvPr>
+            <p:ph idx="1"/>
+          </p:nvPr>
+        </p:nvSpPr>
+        <p:spPr/>
+        <p:txBody>
+          <a:bodyPr/>
+          <a:lstStyle/>
+          <a:p>
+            <a:pPr marL="0" indent="0">
+              <a:buNone/>
+            </a:pPr>
+            <a:r>
+              <a:rPr lang="en-US" dirty="0"/>
+              <a:t> </a:t>
+            </a:r>
+          </a:p>
+        </p:txBody>
+      </p:sp>
+      <p:pic>
+        <p:nvPicPr>
+          <p:cNvPr id="4" name="Picture 3">
+            <a:extLst>
+              <a:ext uri="{FF2B5EF4-FFF2-40B4-BE49-F238E27FC236}">
+                <a16:creationId xmlns:a16="http://schemas.microsoft.com/office/drawing/2014/main" id="{016127D0-03D7-4CAA-A306-28638BFC5CD2}"/>
+              </a:ext>
+            </a:extLst>
+          </p:cNvPr>
+          <p:cNvPicPr>
+            <a:picLocks noChangeAspect="1"/>
+          </p:cNvPicPr>
+          <p:nvPr/>
+        </p:nvPicPr>
+        <p:blipFill>
+          <a:blip r:embed="rId2"/>
+          <a:stretch>
+            <a:fillRect/>
+          </a:stretch>
+        </p:blipFill>
+        <p:spPr>
+          <a:xfrm>
+            <a:off x="1128712" y="1433146"/>
+            <a:ext cx="9934575" cy="5283444"/>
+          </a:xfrm>
+          <a:prstGeom prst="rect">
+            <a:avLst/>
+          </a:prstGeom>
+        </p:spPr>
+      </p:pic>
+    </p:spTree>
+    <p:extLst>
+      <p:ext uri="{BB962C8B-B14F-4D97-AF65-F5344CB8AC3E}">
+        <p14:creationId xmlns:p14="http://schemas.microsoft.com/office/powerpoint/2010/main" val="238323411"/>
+      </p:ext>
+    </p:extLst>
+  </p:cSld>
+  <p:clrMapOvr>
+    <a:masterClrMapping/>
+  </p:clrMapOvr>
+</p:sld>
+</file>
+
+<file path=ppt/slides/slide26.xml><?xml version="1.0" encoding="utf-8"?>
+<p:sld xmlns:a="http://schemas.openxmlformats.org/drawingml/2006/main" xmlns:r="http://schemas.openxmlformats.org/officeDocument/2006/relationships" xmlns:p="http://schemas.openxmlformats.org/presentationml/2006/main">
+  <p:cSld>
+    <p:spTree>
+      <p:nvGrpSpPr>
+        <p:cNvPr id="1" name=""/>
+        <p:cNvGrpSpPr/>
+        <p:nvPr/>
+      </p:nvGrpSpPr>
+      <p:grpSpPr>
+        <a:xfrm>
+          <a:off x="0" y="0"/>
+          <a:ext cx="0" cy="0"/>
+          <a:chOff x="0" y="0"/>
+          <a:chExt cx="0" cy="0"/>
+        </a:xfrm>
+      </p:grpSpPr>
+      <p:sp>
+        <p:nvSpPr>
+          <p:cNvPr id="2" name="Title 1">
+            <a:extLst>
+              <a:ext uri="{FF2B5EF4-FFF2-40B4-BE49-F238E27FC236}">
+                <a16:creationId xmlns:a16="http://schemas.microsoft.com/office/drawing/2014/main" id="{8B93959C-292A-4C84-8ED8-613EAC99B1E7}"/>
+              </a:ext>
+            </a:extLst>
+          </p:cNvPr>
+          <p:cNvSpPr>
+            <a:spLocks noGrp="1"/>
+          </p:cNvSpPr>
+          <p:nvPr>
+            <p:ph type="title"/>
+          </p:nvPr>
+        </p:nvSpPr>
+        <p:spPr/>
+        <p:txBody>
+          <a:bodyPr>
+            <a:normAutofit/>
+          </a:bodyPr>
+          <a:lstStyle/>
+          <a:p>
+            <a:r>
+              <a:rPr lang="en-US" sz="3200" dirty="0"/>
+              <a:t>Service Oriented Approach (Uniform Recognition-Django)</a:t>
+            </a:r>
+            <a:endParaRPr lang="en-US" sz="3600" dirty="0"/>
+          </a:p>
+        </p:txBody>
+      </p:sp>
+      <p:sp>
+        <p:nvSpPr>
+          <p:cNvPr id="3" name="Content Placeholder 2">
+            <a:extLst>
+              <a:ext uri="{FF2B5EF4-FFF2-40B4-BE49-F238E27FC236}">
+                <a16:creationId xmlns:a16="http://schemas.microsoft.com/office/drawing/2014/main" id="{E1814AB2-D8DA-4207-811D-C81474855A4F}"/>
+              </a:ext>
+            </a:extLst>
+          </p:cNvPr>
+          <p:cNvSpPr>
+            <a:spLocks noGrp="1"/>
+          </p:cNvSpPr>
+          <p:nvPr>
+            <p:ph idx="1"/>
+          </p:nvPr>
+        </p:nvSpPr>
+        <p:spPr/>
+        <p:txBody>
+          <a:bodyPr/>
+          <a:lstStyle/>
+          <a:p>
+            <a:pPr marL="0" indent="0">
+              <a:buNone/>
+            </a:pPr>
+            <a:r>
+              <a:rPr lang="en-US" dirty="0"/>
+              <a:t> </a:t>
+            </a:r>
+          </a:p>
+        </p:txBody>
+      </p:sp>
+      <p:pic>
+        <p:nvPicPr>
+          <p:cNvPr id="5" name="Picture 4">
+            <a:extLst>
+              <a:ext uri="{FF2B5EF4-FFF2-40B4-BE49-F238E27FC236}">
+                <a16:creationId xmlns:a16="http://schemas.microsoft.com/office/drawing/2014/main" id="{263C2764-F587-44A6-94A1-D699C6C26179}"/>
+              </a:ext>
+            </a:extLst>
+          </p:cNvPr>
+          <p:cNvPicPr>
+            <a:picLocks noChangeAspect="1"/>
+          </p:cNvPicPr>
+          <p:nvPr/>
+        </p:nvPicPr>
+        <p:blipFill>
+          <a:blip r:embed="rId2"/>
+          <a:stretch>
+            <a:fillRect/>
+          </a:stretch>
+        </p:blipFill>
+        <p:spPr>
+          <a:xfrm>
+            <a:off x="2600325" y="1475642"/>
+            <a:ext cx="6991350" cy="5295900"/>
+          </a:xfrm>
+          <a:prstGeom prst="rect">
+            <a:avLst/>
+          </a:prstGeom>
+        </p:spPr>
+      </p:pic>
+    </p:spTree>
+    <p:extLst>
+      <p:ext uri="{BB962C8B-B14F-4D97-AF65-F5344CB8AC3E}">
+        <p14:creationId xmlns:p14="http://schemas.microsoft.com/office/powerpoint/2010/main" val="2685137996"/>
+      </p:ext>
+    </p:extLst>
+  </p:cSld>
+  <p:clrMapOvr>
+    <a:masterClrMapping/>
+  </p:clrMapOvr>
+</p:sld>
+</file>
+
+<file path=ppt/slides/slide27.xml><?xml version="1.0" encoding="utf-8"?>
+<p:sld xmlns:a="http://schemas.openxmlformats.org/drawingml/2006/main" xmlns:r="http://schemas.openxmlformats.org/officeDocument/2006/relationships" xmlns:p="http://schemas.openxmlformats.org/presentationml/2006/main">
+  <p:cSld>
+    <p:spTree>
+      <p:nvGrpSpPr>
+        <p:cNvPr id="1" name=""/>
+        <p:cNvGrpSpPr/>
+        <p:nvPr/>
+      </p:nvGrpSpPr>
+      <p:grpSpPr>
+        <a:xfrm>
+          <a:off x="0" y="0"/>
+          <a:ext cx="0" cy="0"/>
+          <a:chOff x="0" y="0"/>
+          <a:chExt cx="0" cy="0"/>
+        </a:xfrm>
+      </p:grpSpPr>
+      <p:sp>
+        <p:nvSpPr>
+          <p:cNvPr id="2" name="Title 1">
+            <a:extLst>
+              <a:ext uri="{FF2B5EF4-FFF2-40B4-BE49-F238E27FC236}">
+                <a16:creationId xmlns:a16="http://schemas.microsoft.com/office/drawing/2014/main" id="{8B93959C-292A-4C84-8ED8-613EAC99B1E7}"/>
+              </a:ext>
+            </a:extLst>
+          </p:cNvPr>
+          <p:cNvSpPr>
+            <a:spLocks noGrp="1"/>
+          </p:cNvSpPr>
+          <p:nvPr>
+            <p:ph type="title"/>
+          </p:nvPr>
+        </p:nvSpPr>
+        <p:spPr/>
+        <p:txBody>
+          <a:bodyPr>
+            <a:normAutofit/>
+          </a:bodyPr>
+          <a:lstStyle/>
+          <a:p>
+            <a:r>
+              <a:rPr lang="en-US" sz="3200" dirty="0"/>
+              <a:t>Service Oriented Approach (Uniform Recognition-Request)</a:t>
+            </a:r>
+            <a:endParaRPr lang="en-US" sz="3600" dirty="0"/>
+          </a:p>
+        </p:txBody>
+      </p:sp>
+      <p:sp>
+        <p:nvSpPr>
+          <p:cNvPr id="3" name="Content Placeholder 2">
+            <a:extLst>
+              <a:ext uri="{FF2B5EF4-FFF2-40B4-BE49-F238E27FC236}">
+                <a16:creationId xmlns:a16="http://schemas.microsoft.com/office/drawing/2014/main" id="{E1814AB2-D8DA-4207-811D-C81474855A4F}"/>
+              </a:ext>
+            </a:extLst>
+          </p:cNvPr>
+          <p:cNvSpPr>
+            <a:spLocks noGrp="1"/>
+          </p:cNvSpPr>
+          <p:nvPr>
+            <p:ph idx="1"/>
+          </p:nvPr>
+        </p:nvSpPr>
+        <p:spPr/>
+        <p:txBody>
+          <a:bodyPr/>
+          <a:lstStyle/>
+          <a:p>
+            <a:pPr marL="0" indent="0">
+              <a:buNone/>
+            </a:pPr>
+            <a:r>
+              <a:rPr lang="en-US" dirty="0"/>
+              <a:t> </a:t>
+            </a:r>
+          </a:p>
+        </p:txBody>
+      </p:sp>
+      <p:pic>
+        <p:nvPicPr>
+          <p:cNvPr id="4" name="Picture 3">
+            <a:extLst>
+              <a:ext uri="{FF2B5EF4-FFF2-40B4-BE49-F238E27FC236}">
+                <a16:creationId xmlns:a16="http://schemas.microsoft.com/office/drawing/2014/main" id="{79733501-02A2-4033-A8ED-AA15176E75C0}"/>
+              </a:ext>
+            </a:extLst>
+          </p:cNvPr>
+          <p:cNvPicPr>
+            <a:picLocks noChangeAspect="1"/>
+          </p:cNvPicPr>
+          <p:nvPr/>
+        </p:nvPicPr>
+        <p:blipFill>
+          <a:blip r:embed="rId2"/>
+          <a:stretch>
+            <a:fillRect/>
+          </a:stretch>
+        </p:blipFill>
+        <p:spPr>
+          <a:xfrm>
+            <a:off x="909637" y="2490848"/>
+            <a:ext cx="10372725" cy="3038475"/>
+          </a:xfrm>
+          <a:prstGeom prst="rect">
+            <a:avLst/>
+          </a:prstGeom>
+        </p:spPr>
+      </p:pic>
+    </p:spTree>
+    <p:extLst>
+      <p:ext uri="{BB962C8B-B14F-4D97-AF65-F5344CB8AC3E}">
+        <p14:creationId xmlns:p14="http://schemas.microsoft.com/office/powerpoint/2010/main" val="406204173"/>
+      </p:ext>
+    </p:extLst>
+  </p:cSld>
+  <p:clrMapOvr>
+    <a:masterClrMapping/>
+  </p:clrMapOvr>
+</p:sld>
+</file>
+
+<file path=ppt/slides/slide28.xml><?xml version="1.0" encoding="utf-8"?>
+<p:sld xmlns:a="http://schemas.openxmlformats.org/drawingml/2006/main" xmlns:r="http://schemas.openxmlformats.org/officeDocument/2006/relationships" xmlns:p="http://schemas.openxmlformats.org/presentationml/2006/main">
+  <p:cSld>
+    <p:spTree>
+      <p:nvGrpSpPr>
+        <p:cNvPr id="1" name=""/>
+        <p:cNvGrpSpPr/>
+        <p:nvPr/>
+      </p:nvGrpSpPr>
+      <p:grpSpPr>
+        <a:xfrm>
+          <a:off x="0" y="0"/>
+          <a:ext cx="0" cy="0"/>
+          <a:chOff x="0" y="0"/>
+          <a:chExt cx="0" cy="0"/>
+        </a:xfrm>
+      </p:grpSpPr>
+      <p:sp>
+        <p:nvSpPr>
+          <p:cNvPr id="2" name="Title 1">
+            <a:extLst>
+              <a:ext uri="{FF2B5EF4-FFF2-40B4-BE49-F238E27FC236}">
+                <a16:creationId xmlns:a16="http://schemas.microsoft.com/office/drawing/2014/main" id="{8B93959C-292A-4C84-8ED8-613EAC99B1E7}"/>
+              </a:ext>
+            </a:extLst>
+          </p:cNvPr>
+          <p:cNvSpPr>
+            <a:spLocks noGrp="1"/>
+          </p:cNvSpPr>
+          <p:nvPr>
+            <p:ph type="title"/>
+          </p:nvPr>
+        </p:nvSpPr>
+        <p:spPr/>
+        <p:txBody>
+          <a:bodyPr>
+            <a:normAutofit/>
+          </a:bodyPr>
+          <a:lstStyle/>
+          <a:p>
+            <a:r>
+              <a:rPr lang="en-US" sz="3200" dirty="0"/>
+              <a:t>Service Oriented Approach (Uniform Recognition-Request Test)</a:t>
+            </a:r>
+            <a:endParaRPr lang="en-US" sz="3600" dirty="0"/>
+          </a:p>
+        </p:txBody>
+      </p:sp>
+      <p:sp>
+        <p:nvSpPr>
+          <p:cNvPr id="3" name="Content Placeholder 2">
+            <a:extLst>
+              <a:ext uri="{FF2B5EF4-FFF2-40B4-BE49-F238E27FC236}">
+                <a16:creationId xmlns:a16="http://schemas.microsoft.com/office/drawing/2014/main" id="{E1814AB2-D8DA-4207-811D-C81474855A4F}"/>
+              </a:ext>
+            </a:extLst>
+          </p:cNvPr>
+          <p:cNvSpPr>
+            <a:spLocks noGrp="1"/>
+          </p:cNvSpPr>
+          <p:nvPr>
+            <p:ph idx="1"/>
+          </p:nvPr>
+        </p:nvSpPr>
+        <p:spPr/>
+        <p:txBody>
+          <a:bodyPr/>
+          <a:lstStyle/>
+          <a:p>
+            <a:pPr marL="0" indent="0">
+              <a:buNone/>
+            </a:pPr>
+            <a:r>
+              <a:rPr lang="en-US" dirty="0"/>
+              <a:t> </a:t>
+            </a:r>
+          </a:p>
+        </p:txBody>
+      </p:sp>
+      <p:pic>
+        <p:nvPicPr>
+          <p:cNvPr id="5" name="Picture 4">
+            <a:extLst>
+              <a:ext uri="{FF2B5EF4-FFF2-40B4-BE49-F238E27FC236}">
+                <a16:creationId xmlns:a16="http://schemas.microsoft.com/office/drawing/2014/main" id="{2B396480-18C3-4322-9A24-C5CE13897EFA}"/>
+              </a:ext>
+            </a:extLst>
+          </p:cNvPr>
+          <p:cNvPicPr>
+            <a:picLocks noChangeAspect="1"/>
+          </p:cNvPicPr>
+          <p:nvPr/>
+        </p:nvPicPr>
+        <p:blipFill>
+          <a:blip r:embed="rId2"/>
+          <a:stretch>
+            <a:fillRect/>
+          </a:stretch>
+        </p:blipFill>
+        <p:spPr>
+          <a:xfrm>
+            <a:off x="347662" y="1512277"/>
+            <a:ext cx="11496675" cy="5125915"/>
+          </a:xfrm>
+          <a:prstGeom prst="rect">
+            <a:avLst/>
+          </a:prstGeom>
+        </p:spPr>
+      </p:pic>
+    </p:spTree>
+    <p:extLst>
+      <p:ext uri="{BB962C8B-B14F-4D97-AF65-F5344CB8AC3E}">
+        <p14:creationId xmlns:p14="http://schemas.microsoft.com/office/powerpoint/2010/main" val="252280528"/>
+      </p:ext>
+    </p:extLst>
+  </p:cSld>
+  <p:clrMapOvr>
+    <a:masterClrMapping/>
+  </p:clrMapOvr>
+</p:sld>
+</file>
+
+<file path=ppt/slides/slide29.xml><?xml version="1.0" encoding="utf-8"?>
 <p:sld xmlns:a="http://schemas.openxmlformats.org/drawingml/2006/main" xmlns:r="http://schemas.openxmlformats.org/officeDocument/2006/relationships" xmlns:p="http://schemas.openxmlformats.org/presentationml/2006/main">
   <p:cSld>
     <p:spTree>
@@ -4748,8 +6325,8 @@
           <a:p>
             <a:pPr algn="ctr"/>
             <a:r>
-              <a:rPr lang="en-US" dirty="0"/>
-              <a:t>Output Frame</a:t>
+              <a:rPr lang="en-US" sz="1400" dirty="0"/>
+              <a:t>Output Frame and corresponding data respectively</a:t>
             </a:r>
           </a:p>
         </p:txBody>
@@ -4894,7 +6471,7 @@
 </p:sld>
 </file>
 
-<file path=ppt/slides/slide18.xml><?xml version="1.0" encoding="utf-8"?>
+<file path=ppt/slides/slide3.xml><?xml version="1.0" encoding="utf-8"?>
 <p:sld xmlns:a="http://schemas.openxmlformats.org/drawingml/2006/main" xmlns:r="http://schemas.openxmlformats.org/officeDocument/2006/relationships" xmlns:p="http://schemas.openxmlformats.org/presentationml/2006/main">
   <p:cSld>
     <p:spTree>
@@ -4934,6 +6511,92 @@
           <a:p>
             <a:r>
               <a:rPr lang="en-US" dirty="0"/>
+              <a:t>Database ERD</a:t>
+            </a:r>
+          </a:p>
+        </p:txBody>
+      </p:sp>
+      <p:sp>
+        <p:nvSpPr>
+          <p:cNvPr id="3" name="Subtitle 2">
+            <a:extLst>
+              <a:ext uri="{FF2B5EF4-FFF2-40B4-BE49-F238E27FC236}">
+                <a16:creationId xmlns:a16="http://schemas.microsoft.com/office/drawing/2014/main" id="{5737FD09-31CC-47C3-85FD-2065CAB28687}"/>
+              </a:ext>
+            </a:extLst>
+          </p:cNvPr>
+          <p:cNvSpPr>
+            <a:spLocks noGrp="1"/>
+          </p:cNvSpPr>
+          <p:nvPr>
+            <p:ph type="subTitle" idx="1"/>
+          </p:nvPr>
+        </p:nvSpPr>
+        <p:spPr/>
+        <p:txBody>
+          <a:bodyPr/>
+          <a:lstStyle/>
+          <a:p>
+            <a:r>
+              <a:rPr lang="en-US" dirty="0"/>
+              <a:t>Actual</a:t>
+            </a:r>
+          </a:p>
+        </p:txBody>
+      </p:sp>
+    </p:spTree>
+    <p:extLst>
+      <p:ext uri="{BB962C8B-B14F-4D97-AF65-F5344CB8AC3E}">
+        <p14:creationId xmlns:p14="http://schemas.microsoft.com/office/powerpoint/2010/main" val="1429305727"/>
+      </p:ext>
+    </p:extLst>
+  </p:cSld>
+  <p:clrMapOvr>
+    <a:masterClrMapping/>
+  </p:clrMapOvr>
+</p:sld>
+</file>
+
+<file path=ppt/slides/slide30.xml><?xml version="1.0" encoding="utf-8"?>
+<p:sld xmlns:a="http://schemas.openxmlformats.org/drawingml/2006/main" xmlns:r="http://schemas.openxmlformats.org/officeDocument/2006/relationships" xmlns:p="http://schemas.openxmlformats.org/presentationml/2006/main">
+  <p:cSld>
+    <p:spTree>
+      <p:nvGrpSpPr>
+        <p:cNvPr id="1" name=""/>
+        <p:cNvGrpSpPr/>
+        <p:nvPr/>
+      </p:nvGrpSpPr>
+      <p:grpSpPr>
+        <a:xfrm>
+          <a:off x="0" y="0"/>
+          <a:ext cx="0" cy="0"/>
+          <a:chOff x="0" y="0"/>
+          <a:chExt cx="0" cy="0"/>
+        </a:xfrm>
+      </p:grpSpPr>
+      <p:sp>
+        <p:nvSpPr>
+          <p:cNvPr id="2" name="Title 1">
+            <a:extLst>
+              <a:ext uri="{FF2B5EF4-FFF2-40B4-BE49-F238E27FC236}">
+                <a16:creationId xmlns:a16="http://schemas.microsoft.com/office/drawing/2014/main" id="{D4E6EF9A-EAF4-4306-981F-851390FC3A47}"/>
+              </a:ext>
+            </a:extLst>
+          </p:cNvPr>
+          <p:cNvSpPr>
+            <a:spLocks noGrp="1"/>
+          </p:cNvSpPr>
+          <p:nvPr>
+            <p:ph type="ctrTitle"/>
+          </p:nvPr>
+        </p:nvSpPr>
+        <p:spPr/>
+        <p:txBody>
+          <a:bodyPr/>
+          <a:lstStyle/>
+          <a:p>
+            <a:r>
+              <a:rPr lang="en-US" dirty="0"/>
               <a:t>Facial Recognition</a:t>
             </a:r>
           </a:p>
@@ -4980,7 +6643,7 @@
 </p:sld>
 </file>
 
-<file path=ppt/slides/slide19.xml><?xml version="1.0" encoding="utf-8"?>
+<file path=ppt/slides/slide31.xml><?xml version="1.0" encoding="utf-8"?>
 <p:sld xmlns:a="http://schemas.openxmlformats.org/drawingml/2006/main" xmlns:r="http://schemas.openxmlformats.org/officeDocument/2006/relationships" xmlns:p="http://schemas.openxmlformats.org/presentationml/2006/main">
   <p:cSld>
     <p:bg>
@@ -5696,7 +7359,7 @@
 </p:sld>
 </file>
 
-<file path=ppt/slides/slide2.xml><?xml version="1.0" encoding="utf-8"?>
+<file path=ppt/slides/slide32.xml><?xml version="1.0" encoding="utf-8"?>
 <p:sld xmlns:a="http://schemas.openxmlformats.org/drawingml/2006/main" xmlns:r="http://schemas.openxmlformats.org/officeDocument/2006/relationships" xmlns:p="http://schemas.openxmlformats.org/presentationml/2006/main">
   <p:cSld>
     <p:spTree>
@@ -5718,7 +7381,7 @@
           <p:cNvPr id="2" name="Title 1">
             <a:extLst>
               <a:ext uri="{FF2B5EF4-FFF2-40B4-BE49-F238E27FC236}">
-                <a16:creationId xmlns:a16="http://schemas.microsoft.com/office/drawing/2014/main" id="{D2F4867E-A6F9-4A65-AC7A-DCDD62A009D3}"/>
+                <a16:creationId xmlns:a16="http://schemas.microsoft.com/office/drawing/2014/main" id="{B723E279-A5AA-4D8B-BB01-4FDB8C1B8F6B}"/>
               </a:ext>
             </a:extLst>
           </p:cNvPr>
@@ -5729,31 +7392,24 @@
             <p:ph type="title"/>
           </p:nvPr>
         </p:nvSpPr>
-        <p:spPr>
-          <a:xfrm>
-            <a:off x="838200" y="365125"/>
-            <a:ext cx="1676400" cy="760290"/>
-          </a:xfrm>
-        </p:spPr>
-        <p:txBody>
-          <a:bodyPr>
-            <a:normAutofit/>
-          </a:bodyPr>
+        <p:spPr/>
+        <p:txBody>
+          <a:bodyPr/>
           <a:lstStyle/>
           <a:p>
             <a:r>
               <a:rPr lang="en-US" dirty="0"/>
-              <a:t> </a:t>
+              <a:t>DLIB based Facial Recognition</a:t>
             </a:r>
           </a:p>
         </p:txBody>
       </p:sp>
       <p:pic>
         <p:nvPicPr>
-          <p:cNvPr id="5" name="Content Placeholder 4">
-            <a:extLst>
-              <a:ext uri="{FF2B5EF4-FFF2-40B4-BE49-F238E27FC236}">
-                <a16:creationId xmlns:a16="http://schemas.microsoft.com/office/drawing/2014/main" id="{95123481-1D0E-4583-9FFA-208BBDF6800D}"/>
+          <p:cNvPr id="4" name="Content Placeholder 3">
+            <a:extLst>
+              <a:ext uri="{FF2B5EF4-FFF2-40B4-BE49-F238E27FC236}">
+                <a16:creationId xmlns:a16="http://schemas.microsoft.com/office/drawing/2014/main" id="{5AD3BCD3-E288-4FFD-B5F2-CFBF0D394996}"/>
               </a:ext>
             </a:extLst>
           </p:cNvPr>
@@ -5765,100 +7421,25 @@
           </p:nvPr>
         </p:nvPicPr>
         <p:blipFill>
-          <a:blip r:embed="rId2">
-            <a:extLst>
-              <a:ext uri="{28A0092B-C50C-407E-A947-70E740481C1C}">
-                <a14:useLocalDpi xmlns:a14="http://schemas.microsoft.com/office/drawing/2010/main" val="0"/>
-              </a:ext>
-            </a:extLst>
-          </a:blip>
+          <a:blip r:embed="rId2"/>
           <a:stretch>
             <a:fillRect/>
           </a:stretch>
         </p:blipFill>
         <p:spPr>
           <a:xfrm>
-            <a:off x="1676400" y="365125"/>
-            <a:ext cx="4009292" cy="6276194"/>
-          </a:xfrm>
-        </p:spPr>
-      </p:pic>
-      <p:sp>
-        <p:nvSpPr>
-          <p:cNvPr id="7" name="TextBox 6">
-            <a:extLst>
-              <a:ext uri="{FF2B5EF4-FFF2-40B4-BE49-F238E27FC236}">
-                <a16:creationId xmlns:a16="http://schemas.microsoft.com/office/drawing/2014/main" id="{BCB1044B-3FBC-4217-88FB-DDECECBF90AC}"/>
-              </a:ext>
-            </a:extLst>
-          </p:cNvPr>
-          <p:cNvSpPr txBox="1"/>
-          <p:nvPr/>
-        </p:nvSpPr>
-        <p:spPr>
-          <a:xfrm>
-            <a:off x="6810217" y="2207061"/>
-            <a:ext cx="4676358" cy="1938992"/>
+            <a:off x="2613427" y="1825625"/>
+            <a:ext cx="6965145" cy="4351338"/>
           </a:xfrm>
           <a:prstGeom prst="rect">
             <a:avLst/>
           </a:prstGeom>
-          <a:noFill/>
         </p:spPr>
-        <p:txBody>
-          <a:bodyPr wrap="square" rtlCol="0">
-            <a:spAutoFit/>
-          </a:bodyPr>
-          <a:lstStyle/>
-          <a:p>
-            <a:endParaRPr lang="en-US" sz="2400" b="1" dirty="0"/>
-          </a:p>
-          <a:p>
-            <a:pPr marL="285750" indent="-285750">
-              <a:buFont typeface="Arial" panose="020B0604020202020204" pitchFamily="34" charset="0"/>
-              <a:buChar char="•"/>
-            </a:pPr>
-            <a:r>
-              <a:rPr lang="en-US" sz="2400" b="1" dirty="0"/>
-              <a:t>Not Normalized</a:t>
-            </a:r>
-          </a:p>
-          <a:p>
-            <a:pPr marL="285750" indent="-285750">
-              <a:buFont typeface="Arial" panose="020B0604020202020204" pitchFamily="34" charset="0"/>
-              <a:buChar char="•"/>
-            </a:pPr>
-            <a:r>
-              <a:rPr lang="en-US" sz="2400" b="1" dirty="0"/>
-              <a:t>Repeated Information</a:t>
-            </a:r>
-          </a:p>
-          <a:p>
-            <a:pPr marL="285750" indent="-285750">
-              <a:buFont typeface="Arial" panose="020B0604020202020204" pitchFamily="34" charset="0"/>
-              <a:buChar char="•"/>
-            </a:pPr>
-            <a:r>
-              <a:rPr lang="en-US" sz="2400" b="1" dirty="0"/>
-              <a:t>Not any centralized Table</a:t>
-            </a:r>
-          </a:p>
-          <a:p>
-            <a:pPr marL="285750" indent="-285750">
-              <a:buFont typeface="Arial" panose="020B0604020202020204" pitchFamily="34" charset="0"/>
-              <a:buChar char="•"/>
-            </a:pPr>
-            <a:r>
-              <a:rPr lang="en-US" sz="2400" b="1" dirty="0"/>
-              <a:t>Duty Rostrum Missing</a:t>
-            </a:r>
-          </a:p>
-        </p:txBody>
-      </p:sp>
+      </p:pic>
     </p:spTree>
     <p:extLst>
       <p:ext uri="{BB962C8B-B14F-4D97-AF65-F5344CB8AC3E}">
-        <p14:creationId xmlns:p14="http://schemas.microsoft.com/office/powerpoint/2010/main" val="3255344408"/>
+        <p14:creationId xmlns:p14="http://schemas.microsoft.com/office/powerpoint/2010/main" val="4170867643"/>
       </p:ext>
     </p:extLst>
   </p:cSld>
@@ -5868,7 +7449,7 @@
 </p:sld>
 </file>
 
-<file path=ppt/slides/slide20.xml><?xml version="1.0" encoding="utf-8"?>
+<file path=ppt/slides/slide33.xml><?xml version="1.0" encoding="utf-8"?>
 <p:sld xmlns:a="http://schemas.openxmlformats.org/drawingml/2006/main" xmlns:r="http://schemas.openxmlformats.org/officeDocument/2006/relationships" xmlns:p="http://schemas.openxmlformats.org/presentationml/2006/main">
   <p:cSld>
     <p:spTree>
@@ -6461,7 +8042,126 @@
 </p:sld>
 </file>
 
-<file path=ppt/slides/slide21.xml><?xml version="1.0" encoding="utf-8"?>
+<file path=ppt/slides/slide34.xml><?xml version="1.0" encoding="utf-8"?>
+<p:sld xmlns:a="http://schemas.openxmlformats.org/drawingml/2006/main" xmlns:r="http://schemas.openxmlformats.org/officeDocument/2006/relationships" xmlns:p="http://schemas.openxmlformats.org/presentationml/2006/main">
+  <p:cSld>
+    <p:spTree>
+      <p:nvGrpSpPr>
+        <p:cNvPr id="1" name=""/>
+        <p:cNvGrpSpPr/>
+        <p:nvPr/>
+      </p:nvGrpSpPr>
+      <p:grpSpPr>
+        <a:xfrm>
+          <a:off x="0" y="0"/>
+          <a:ext cx="0" cy="0"/>
+          <a:chOff x="0" y="0"/>
+          <a:chExt cx="0" cy="0"/>
+        </a:xfrm>
+      </p:grpSpPr>
+      <p:sp>
+        <p:nvSpPr>
+          <p:cNvPr id="2" name="Title 1">
+            <a:extLst>
+              <a:ext uri="{FF2B5EF4-FFF2-40B4-BE49-F238E27FC236}">
+                <a16:creationId xmlns:a16="http://schemas.microsoft.com/office/drawing/2014/main" id="{5C718F99-FDF7-4794-9D23-936A84A09FAD}"/>
+              </a:ext>
+            </a:extLst>
+          </p:cNvPr>
+          <p:cNvSpPr>
+            <a:spLocks noGrp="1"/>
+          </p:cNvSpPr>
+          <p:nvPr>
+            <p:ph type="title"/>
+          </p:nvPr>
+        </p:nvSpPr>
+        <p:spPr/>
+        <p:txBody>
+          <a:bodyPr/>
+          <a:lstStyle/>
+          <a:p>
+            <a:r>
+              <a:rPr lang="en-US" dirty="0"/>
+              <a:t>Runtime Training</a:t>
+            </a:r>
+          </a:p>
+        </p:txBody>
+      </p:sp>
+      <p:sp>
+        <p:nvSpPr>
+          <p:cNvPr id="3" name="Content Placeholder 2">
+            <a:extLst>
+              <a:ext uri="{FF2B5EF4-FFF2-40B4-BE49-F238E27FC236}">
+                <a16:creationId xmlns:a16="http://schemas.microsoft.com/office/drawing/2014/main" id="{C06E7513-E407-4514-9FAF-F57ED7A915D2}"/>
+              </a:ext>
+            </a:extLst>
+          </p:cNvPr>
+          <p:cNvSpPr>
+            <a:spLocks noGrp="1"/>
+          </p:cNvSpPr>
+          <p:nvPr>
+            <p:ph idx="1"/>
+          </p:nvPr>
+        </p:nvSpPr>
+        <p:spPr/>
+        <p:txBody>
+          <a:bodyPr/>
+          <a:lstStyle/>
+          <a:p>
+            <a:pPr marL="0" indent="0">
+              <a:buNone/>
+            </a:pPr>
+            <a:r>
+              <a:rPr lang="en-US" dirty="0"/>
+              <a:t> </a:t>
+            </a:r>
+          </a:p>
+        </p:txBody>
+      </p:sp>
+      <p:pic>
+        <p:nvPicPr>
+          <p:cNvPr id="4" name="Picture 3">
+            <a:extLst>
+              <a:ext uri="{FF2B5EF4-FFF2-40B4-BE49-F238E27FC236}">
+                <a16:creationId xmlns:a16="http://schemas.microsoft.com/office/drawing/2014/main" id="{06C53E7C-DC5B-4A1A-BD5A-3E93478A35CC}"/>
+              </a:ext>
+            </a:extLst>
+          </p:cNvPr>
+          <p:cNvPicPr>
+            <a:picLocks noChangeAspect="1"/>
+          </p:cNvPicPr>
+          <p:nvPr/>
+        </p:nvPicPr>
+        <p:blipFill>
+          <a:blip r:embed="rId2"/>
+          <a:stretch>
+            <a:fillRect/>
+          </a:stretch>
+        </p:blipFill>
+        <p:spPr>
+          <a:xfrm>
+            <a:off x="2659007" y="1380392"/>
+            <a:ext cx="6873986" cy="5363308"/>
+          </a:xfrm>
+          <a:prstGeom prst="rect">
+            <a:avLst/>
+          </a:prstGeom>
+        </p:spPr>
+      </p:pic>
+    </p:spTree>
+    <p:extLst>
+      <p:ext uri="{BB962C8B-B14F-4D97-AF65-F5344CB8AC3E}">
+        <p14:creationId xmlns:p14="http://schemas.microsoft.com/office/powerpoint/2010/main" val="3497794960"/>
+      </p:ext>
+    </p:extLst>
+  </p:cSld>
+  <p:clrMapOvr>
+    <a:masterClrMapping/>
+  </p:clrMapOvr>
+</p:sld>
+</file>
+
+<file path=ppt/slides/slide35.xml><?xml version="1.0" encoding="utf-8"?>
 <p:sld xmlns:a="http://schemas.openxmlformats.org/drawingml/2006/main" xmlns:r="http://schemas.openxmlformats.org/officeDocument/2006/relationships" xmlns:p="http://schemas.openxmlformats.org/presentationml/2006/main">
   <p:cSld>
     <p:spTree>
@@ -7146,7 +8846,7 @@
 </p:sld>
 </file>
 
-<file path=ppt/slides/slide3.xml><?xml version="1.0" encoding="utf-8"?>
+<file path=ppt/slides/slide36.xml><?xml version="1.0" encoding="utf-8"?>
 <p:sld xmlns:a="http://schemas.openxmlformats.org/drawingml/2006/main" xmlns:r="http://schemas.openxmlformats.org/officeDocument/2006/relationships" xmlns:p="http://schemas.openxmlformats.org/presentationml/2006/main">
   <p:cSld>
     <p:spTree>
@@ -7168,15 +8868,15 @@
           <p:cNvPr id="2" name="Title 1">
             <a:extLst>
               <a:ext uri="{FF2B5EF4-FFF2-40B4-BE49-F238E27FC236}">
-                <a16:creationId xmlns:a16="http://schemas.microsoft.com/office/drawing/2014/main" id="{D4E6EF9A-EAF4-4306-981F-851390FC3A47}"/>
-              </a:ext>
-            </a:extLst>
-          </p:cNvPr>
-          <p:cNvSpPr>
-            <a:spLocks noGrp="1"/>
-          </p:cNvSpPr>
-          <p:nvPr>
-            <p:ph type="ctrTitle"/>
+                <a16:creationId xmlns:a16="http://schemas.microsoft.com/office/drawing/2014/main" id="{9513C225-5845-4052-ACF7-22457D6EDF37}"/>
+              </a:ext>
+            </a:extLst>
+          </p:cNvPr>
+          <p:cNvSpPr>
+            <a:spLocks noGrp="1"/>
+          </p:cNvSpPr>
+          <p:nvPr>
+            <p:ph type="title"/>
           </p:nvPr>
         </p:nvSpPr>
         <p:spPr/>
@@ -7186,43 +8886,212 @@
           <a:p>
             <a:r>
               <a:rPr lang="en-US" dirty="0"/>
-              <a:t>Database ERD</a:t>
-            </a:r>
-          </a:p>
-        </p:txBody>
-      </p:sp>
-      <p:sp>
-        <p:nvSpPr>
-          <p:cNvPr id="3" name="Subtitle 2">
-            <a:extLst>
-              <a:ext uri="{FF2B5EF4-FFF2-40B4-BE49-F238E27FC236}">
-                <a16:creationId xmlns:a16="http://schemas.microsoft.com/office/drawing/2014/main" id="{5737FD09-31CC-47C3-85FD-2065CAB28687}"/>
-              </a:ext>
-            </a:extLst>
-          </p:cNvPr>
-          <p:cNvSpPr>
-            <a:spLocks noGrp="1"/>
-          </p:cNvSpPr>
-          <p:nvPr>
-            <p:ph type="subTitle" idx="1"/>
-          </p:nvPr>
-        </p:nvSpPr>
-        <p:spPr/>
-        <p:txBody>
-          <a:bodyPr/>
-          <a:lstStyle/>
-          <a:p>
-            <a:r>
-              <a:rPr lang="en-US" dirty="0"/>
-              <a:t>Actual</a:t>
-            </a:r>
-          </a:p>
-        </p:txBody>
-      </p:sp>
+              <a:t>Output</a:t>
+            </a:r>
+          </a:p>
+        </p:txBody>
+      </p:sp>
+      <p:pic>
+        <p:nvPicPr>
+          <p:cNvPr id="4" name="Content Placeholder 3">
+            <a:extLst>
+              <a:ext uri="{FF2B5EF4-FFF2-40B4-BE49-F238E27FC236}">
+                <a16:creationId xmlns:a16="http://schemas.microsoft.com/office/drawing/2014/main" id="{C8BA4E8B-1D04-4538-B27B-544AA9212D9B}"/>
+              </a:ext>
+            </a:extLst>
+          </p:cNvPr>
+          <p:cNvPicPr>
+            <a:picLocks noGrp="1" noChangeAspect="1"/>
+          </p:cNvPicPr>
+          <p:nvPr>
+            <p:ph idx="1"/>
+          </p:nvPr>
+        </p:nvPicPr>
+        <p:blipFill>
+          <a:blip r:embed="rId2"/>
+          <a:stretch>
+            <a:fillRect/>
+          </a:stretch>
+        </p:blipFill>
+        <p:spPr>
+          <a:xfrm>
+            <a:off x="2655278" y="1411318"/>
+            <a:ext cx="6937130" cy="5221868"/>
+          </a:xfrm>
+          <a:prstGeom prst="rect">
+            <a:avLst/>
+          </a:prstGeom>
+        </p:spPr>
+      </p:pic>
     </p:spTree>
     <p:extLst>
       <p:ext uri="{BB962C8B-B14F-4D97-AF65-F5344CB8AC3E}">
-        <p14:creationId xmlns:p14="http://schemas.microsoft.com/office/powerpoint/2010/main" val="1429305727"/>
+        <p14:creationId xmlns:p14="http://schemas.microsoft.com/office/powerpoint/2010/main" val="2907330138"/>
+      </p:ext>
+    </p:extLst>
+  </p:cSld>
+  <p:clrMapOvr>
+    <a:masterClrMapping/>
+  </p:clrMapOvr>
+</p:sld>
+</file>
+
+<file path=ppt/slides/slide37.xml><?xml version="1.0" encoding="utf-8"?>
+<p:sld xmlns:a="http://schemas.openxmlformats.org/drawingml/2006/main" xmlns:r="http://schemas.openxmlformats.org/officeDocument/2006/relationships" xmlns:p="http://schemas.openxmlformats.org/presentationml/2006/main">
+  <p:cSld>
+    <p:spTree>
+      <p:nvGrpSpPr>
+        <p:cNvPr id="1" name=""/>
+        <p:cNvGrpSpPr/>
+        <p:nvPr/>
+      </p:nvGrpSpPr>
+      <p:grpSpPr>
+        <a:xfrm>
+          <a:off x="0" y="0"/>
+          <a:ext cx="0" cy="0"/>
+          <a:chOff x="0" y="0"/>
+          <a:chExt cx="0" cy="0"/>
+        </a:xfrm>
+      </p:grpSpPr>
+      <p:sp>
+        <p:nvSpPr>
+          <p:cNvPr id="2" name="Title 1">
+            <a:extLst>
+              <a:ext uri="{FF2B5EF4-FFF2-40B4-BE49-F238E27FC236}">
+                <a16:creationId xmlns:a16="http://schemas.microsoft.com/office/drawing/2014/main" id="{9513C225-5845-4052-ACF7-22457D6EDF37}"/>
+              </a:ext>
+            </a:extLst>
+          </p:cNvPr>
+          <p:cNvSpPr>
+            <a:spLocks noGrp="1"/>
+          </p:cNvSpPr>
+          <p:nvPr>
+            <p:ph type="title"/>
+          </p:nvPr>
+        </p:nvSpPr>
+        <p:spPr/>
+        <p:txBody>
+          <a:bodyPr/>
+          <a:lstStyle/>
+          <a:p>
+            <a:r>
+              <a:rPr lang="en-US" dirty="0"/>
+              <a:t>Output</a:t>
+            </a:r>
+          </a:p>
+        </p:txBody>
+      </p:sp>
+      <p:sp>
+        <p:nvSpPr>
+          <p:cNvPr id="5" name="Content Placeholder 4">
+            <a:extLst>
+              <a:ext uri="{FF2B5EF4-FFF2-40B4-BE49-F238E27FC236}">
+                <a16:creationId xmlns:a16="http://schemas.microsoft.com/office/drawing/2014/main" id="{2E81FE47-56E4-4353-9A1B-F56D095655E9}"/>
+              </a:ext>
+            </a:extLst>
+          </p:cNvPr>
+          <p:cNvSpPr>
+            <a:spLocks noGrp="1"/>
+          </p:cNvSpPr>
+          <p:nvPr>
+            <p:ph idx="1"/>
+          </p:nvPr>
+        </p:nvSpPr>
+        <p:spPr/>
+        <p:txBody>
+          <a:bodyPr/>
+          <a:lstStyle/>
+          <a:p>
+            <a:pPr marL="0" indent="0">
+              <a:buNone/>
+            </a:pPr>
+            <a:r>
+              <a:rPr lang="en-US" dirty="0"/>
+              <a:t> </a:t>
+            </a:r>
+          </a:p>
+        </p:txBody>
+      </p:sp>
+      <p:pic>
+        <p:nvPicPr>
+          <p:cNvPr id="6" name="Content Placeholder 6">
+            <a:extLst>
+              <a:ext uri="{FF2B5EF4-FFF2-40B4-BE49-F238E27FC236}">
+                <a16:creationId xmlns:a16="http://schemas.microsoft.com/office/drawing/2014/main" id="{53A0859F-9E6F-4058-826C-141627A81C17}"/>
+              </a:ext>
+            </a:extLst>
+          </p:cNvPr>
+          <p:cNvPicPr>
+            <a:picLocks noChangeAspect="1"/>
+          </p:cNvPicPr>
+          <p:nvPr/>
+        </p:nvPicPr>
+        <p:blipFill>
+          <a:blip r:embed="rId2"/>
+          <a:stretch>
+            <a:fillRect/>
+          </a:stretch>
+        </p:blipFill>
+        <p:spPr>
+          <a:xfrm>
+            <a:off x="3687762" y="1941045"/>
+            <a:ext cx="4816475" cy="4120498"/>
+          </a:xfrm>
+          <a:prstGeom prst="rect">
+            <a:avLst/>
+          </a:prstGeom>
+        </p:spPr>
+      </p:pic>
+      <p:sp>
+        <p:nvSpPr>
+          <p:cNvPr id="8" name="Rectangle 7">
+            <a:extLst>
+              <a:ext uri="{FF2B5EF4-FFF2-40B4-BE49-F238E27FC236}">
+                <a16:creationId xmlns:a16="http://schemas.microsoft.com/office/drawing/2014/main" id="{E6527E50-9CC8-497E-996C-EA9715B2B7C1}"/>
+              </a:ext>
+            </a:extLst>
+          </p:cNvPr>
+          <p:cNvSpPr/>
+          <p:nvPr/>
+        </p:nvSpPr>
+        <p:spPr>
+          <a:xfrm>
+            <a:off x="3921369" y="2136531"/>
+            <a:ext cx="1204546" cy="360484"/>
+          </a:xfrm>
+          <a:prstGeom prst="rect">
+            <a:avLst/>
+          </a:prstGeom>
+        </p:spPr>
+        <p:style>
+          <a:lnRef idx="2">
+            <a:schemeClr val="accent1">
+              <a:shade val="50000"/>
+            </a:schemeClr>
+          </a:lnRef>
+          <a:fillRef idx="1">
+            <a:schemeClr val="accent1"/>
+          </a:fillRef>
+          <a:effectRef idx="0">
+            <a:schemeClr val="accent1"/>
+          </a:effectRef>
+          <a:fontRef idx="minor">
+            <a:schemeClr val="lt1"/>
+          </a:fontRef>
+        </p:style>
+        <p:txBody>
+          <a:bodyPr rtlCol="0" anchor="ctr"/>
+          <a:lstStyle/>
+          <a:p>
+            <a:pPr algn="ctr"/>
+            <a:endParaRPr lang="en-US"/>
+          </a:p>
+        </p:txBody>
+      </p:sp>
+    </p:spTree>
+    <p:extLst>
+      <p:ext uri="{BB962C8B-B14F-4D97-AF65-F5344CB8AC3E}">
+        <p14:creationId xmlns:p14="http://schemas.microsoft.com/office/powerpoint/2010/main" val="2020921556"/>
       </p:ext>
     </p:extLst>
   </p:cSld>
@@ -7791,7 +9660,7 @@
           <p:cNvPr id="2" name="Title 1">
             <a:extLst>
               <a:ext uri="{FF2B5EF4-FFF2-40B4-BE49-F238E27FC236}">
-                <a16:creationId xmlns:a16="http://schemas.microsoft.com/office/drawing/2014/main" id="{3F54BBF3-BD50-4990-B12F-81A6CE88451F}"/>
+                <a16:creationId xmlns:a16="http://schemas.microsoft.com/office/drawing/2014/main" id="{5AEEE480-A7C3-4BF4-9D87-562AC799DDBA}"/>
               </a:ext>
             </a:extLst>
           </p:cNvPr>
@@ -7809,26 +9678,49 @@
           <a:p>
             <a:r>
               <a:rPr lang="en-US" dirty="0"/>
-              <a:t>Django Admin Panel</a:t>
-            </a:r>
+              <a:t>C# Thrift Server</a:t>
+            </a:r>
+          </a:p>
+        </p:txBody>
+      </p:sp>
+      <p:sp>
+        <p:nvSpPr>
+          <p:cNvPr id="5" name="Content Placeholder 4">
+            <a:extLst>
+              <a:ext uri="{FF2B5EF4-FFF2-40B4-BE49-F238E27FC236}">
+                <a16:creationId xmlns:a16="http://schemas.microsoft.com/office/drawing/2014/main" id="{90A6E0DB-CDA4-4C6C-9DF7-21D40DC23FDE}"/>
+              </a:ext>
+            </a:extLst>
+          </p:cNvPr>
+          <p:cNvSpPr>
+            <a:spLocks noGrp="1"/>
+          </p:cNvSpPr>
+          <p:nvPr>
+            <p:ph idx="1"/>
+          </p:nvPr>
+        </p:nvSpPr>
+        <p:spPr/>
+        <p:txBody>
+          <a:bodyPr/>
+          <a:lstStyle/>
+          <a:p>
+            <a:endParaRPr lang="en-US"/>
           </a:p>
         </p:txBody>
       </p:sp>
       <p:pic>
         <p:nvPicPr>
-          <p:cNvPr id="4" name="Content Placeholder 3">
-            <a:extLst>
-              <a:ext uri="{FF2B5EF4-FFF2-40B4-BE49-F238E27FC236}">
-                <a16:creationId xmlns:a16="http://schemas.microsoft.com/office/drawing/2014/main" id="{A505AD06-735B-4773-B59A-AFCE9E0EF453}"/>
+          <p:cNvPr id="6" name="Picture 5">
+            <a:extLst>
+              <a:ext uri="{FF2B5EF4-FFF2-40B4-BE49-F238E27FC236}">
+                <a16:creationId xmlns:a16="http://schemas.microsoft.com/office/drawing/2014/main" id="{6153B9BC-084E-492C-8FAF-814CA02DA7AD}"/>
               </a:ext>
             </a:extLst>
           </p:cNvPr>
           <p:cNvPicPr>
-            <a:picLocks noGrp="1" noChangeAspect="1"/>
+            <a:picLocks noChangeAspect="1"/>
           </p:cNvPicPr>
-          <p:nvPr>
-            <p:ph idx="1"/>
-          </p:nvPr>
+          <p:nvPr/>
         </p:nvPicPr>
         <p:blipFill>
           <a:blip r:embed="rId2"/>
@@ -7838,8 +9730,8 @@
         </p:blipFill>
         <p:spPr>
           <a:xfrm>
-            <a:off x="2638942" y="1690688"/>
-            <a:ext cx="6914116" cy="4712607"/>
+            <a:off x="835622" y="1362808"/>
+            <a:ext cx="10515600" cy="5354515"/>
           </a:xfrm>
           <a:prstGeom prst="rect">
             <a:avLst/>
@@ -7849,7 +9741,7 @@
     </p:spTree>
     <p:extLst>
       <p:ext uri="{BB962C8B-B14F-4D97-AF65-F5344CB8AC3E}">
-        <p14:creationId xmlns:p14="http://schemas.microsoft.com/office/powerpoint/2010/main" val="375343679"/>
+        <p14:creationId xmlns:p14="http://schemas.microsoft.com/office/powerpoint/2010/main" val="1665093788"/>
       </p:ext>
     </p:extLst>
   </p:cSld>
@@ -7881,7 +9773,7 @@
           <p:cNvPr id="2" name="Title 1">
             <a:extLst>
               <a:ext uri="{FF2B5EF4-FFF2-40B4-BE49-F238E27FC236}">
-                <a16:creationId xmlns:a16="http://schemas.microsoft.com/office/drawing/2014/main" id="{5AEEE480-A7C3-4BF4-9D87-562AC799DDBA}"/>
+                <a16:creationId xmlns:a16="http://schemas.microsoft.com/office/drawing/2014/main" id="{3F54BBF3-BD50-4990-B12F-81A6CE88451F}"/>
               </a:ext>
             </a:extLst>
           </p:cNvPr>
@@ -7899,7 +9791,7 @@
           <a:p>
             <a:r>
               <a:rPr lang="en-US" dirty="0"/>
-              <a:t>C# Thrift Server</a:t>
+              <a:t>Django Admin Panel</a:t>
             </a:r>
           </a:p>
         </p:txBody>
@@ -7909,7 +9801,7 @@
           <p:cNvPr id="4" name="Content Placeholder 3">
             <a:extLst>
               <a:ext uri="{FF2B5EF4-FFF2-40B4-BE49-F238E27FC236}">
-                <a16:creationId xmlns:a16="http://schemas.microsoft.com/office/drawing/2014/main" id="{FEF580E1-29FA-48FC-8469-FD724361309C}"/>
+                <a16:creationId xmlns:a16="http://schemas.microsoft.com/office/drawing/2014/main" id="{A505AD06-735B-4773-B59A-AFCE9E0EF453}"/>
               </a:ext>
             </a:extLst>
           </p:cNvPr>
@@ -7928,8 +9820,8 @@
         </p:blipFill>
         <p:spPr>
           <a:xfrm>
-            <a:off x="1719276" y="1569060"/>
-            <a:ext cx="8753448" cy="4923815"/>
+            <a:off x="2638942" y="1690688"/>
+            <a:ext cx="6914116" cy="4712607"/>
           </a:xfrm>
           <a:prstGeom prst="rect">
             <a:avLst/>
@@ -7939,7 +9831,7 @@
     </p:spTree>
     <p:extLst>
       <p:ext uri="{BB962C8B-B14F-4D97-AF65-F5344CB8AC3E}">
-        <p14:creationId xmlns:p14="http://schemas.microsoft.com/office/powerpoint/2010/main" val="1665093788"/>
+        <p14:creationId xmlns:p14="http://schemas.microsoft.com/office/powerpoint/2010/main" val="375343679"/>
       </p:ext>
     </p:extLst>
   </p:cSld>
